--- a/Welcome to Team J Project.pptx
+++ b/Welcome to Team J Project.pptx
@@ -173,6 +173,10 @@
 </p:cmAuthorLst>
 </file>
 
+<file path=ppt/revisionInfo.xml><?xml version="1.0" encoding="utf-8"?>
+<p1510:revInfo xmlns:a="http://schemas.openxmlformats.org/drawingml/2006/main" xmlns:r="http://schemas.openxmlformats.org/officeDocument/2006/relationships" xmlns:p1510="http://schemas.microsoft.com/office/powerpoint/2015/10/main"/>
+</file>
+
 <file path=ppt/handoutMasters/handoutMaster1.xml><?xml version="1.0" encoding="utf-8"?>
 <p:handoutMaster xmlns:a="http://schemas.openxmlformats.org/drawingml/2006/main" xmlns:r="http://schemas.openxmlformats.org/officeDocument/2006/relationships" xmlns:p="http://schemas.openxmlformats.org/presentationml/2006/main">
   <p:cSld>
@@ -255,7 +259,7 @@
           <a:p>
             <a:fld id="{80680FBE-A8DF-4758-9AC4-3A9E1039168F}" type="datetimeFigureOut">
               <a:rPr lang="en-US" smtClean="0"/>
-              <a:t>11/25/2017</a:t>
+              <a:t>11/28/2017</a:t>
             </a:fld>
             <a:endParaRPr lang="en-US"/>
           </a:p>
@@ -420,7 +424,7 @@
           <a:p>
             <a:fld id="{EC13577B-6902-467D-A26C-08A0DD5E4E03}" type="datetimeFigureOut">
               <a:rPr lang="en-US" smtClean="0"/>
-              <a:t>11/25/2017</a:t>
+              <a:t>11/28/2017</a:t>
             </a:fld>
             <a:endParaRPr lang="en-US"/>
           </a:p>
@@ -1312,7 +1316,7 @@
             <a:fld id="{8BEEBAAA-29B5-4AF5-BC5F-7E580C29002D}" type="datetimeFigureOut">
               <a:rPr lang="en-US" smtClean="0"/>
               <a:pPr/>
-              <a:t>11/25/2017</a:t>
+              <a:t>11/28/2017</a:t>
             </a:fld>
             <a:endParaRPr lang="en-US" dirty="0"/>
           </a:p>
@@ -1973,7 +1977,7 @@
             <a:fld id="{8BEEBAAA-29B5-4AF5-BC5F-7E580C29002D}" type="datetimeFigureOut">
               <a:rPr lang="en-US" smtClean="0"/>
               <a:pPr/>
-              <a:t>11/25/2017</a:t>
+              <a:t>11/28/2017</a:t>
             </a:fld>
             <a:endParaRPr lang="en-US" dirty="0"/>
           </a:p>
@@ -3493,36 +3497,6 @@
           </a:prstGeom>
         </p:spPr>
       </p:pic>
-      <p:pic>
-        <p:nvPicPr>
-          <p:cNvPr id="3" name="Picture 2">
-            <a:extLst>
-              <a:ext uri="{FF2B5EF4-FFF2-40B4-BE49-F238E27FC236}">
-                <a16:creationId xmlns:a16="http://schemas.microsoft.com/office/drawing/2014/main" id="{ADA89650-670F-486F-86FE-BEF8A60CC4DF}"/>
-              </a:ext>
-            </a:extLst>
-          </p:cNvPr>
-          <p:cNvPicPr>
-            <a:picLocks noChangeAspect="1"/>
-          </p:cNvPicPr>
-          <p:nvPr/>
-        </p:nvPicPr>
-        <p:blipFill>
-          <a:blip r:embed="rId3"/>
-          <a:stretch>
-            <a:fillRect/>
-          </a:stretch>
-        </p:blipFill>
-        <p:spPr>
-          <a:xfrm>
-            <a:off x="8202529" y="2565117"/>
-            <a:ext cx="2781300" cy="1790700"/>
-          </a:xfrm>
-          <a:prstGeom prst="rect">
-            <a:avLst/>
-          </a:prstGeom>
-        </p:spPr>
-      </p:pic>
     </p:spTree>
     <p:extLst>
       <p:ext uri="{BB962C8B-B14F-4D97-AF65-F5344CB8AC3E}">
@@ -5173,36 +5147,6 @@
           </a:p>
         </p:txBody>
       </p:sp>
-      <p:pic>
-        <p:nvPicPr>
-          <p:cNvPr id="3" name="Picture 2">
-            <a:extLst>
-              <a:ext uri="{FF2B5EF4-FFF2-40B4-BE49-F238E27FC236}">
-                <a16:creationId xmlns:a16="http://schemas.microsoft.com/office/drawing/2014/main" id="{0BAF1858-BACC-4E92-BB10-FF660A5C4F92}"/>
-              </a:ext>
-            </a:extLst>
-          </p:cNvPr>
-          <p:cNvPicPr>
-            <a:picLocks noChangeAspect="1"/>
-          </p:cNvPicPr>
-          <p:nvPr/>
-        </p:nvPicPr>
-        <p:blipFill>
-          <a:blip r:embed="rId2"/>
-          <a:stretch>
-            <a:fillRect/>
-          </a:stretch>
-        </p:blipFill>
-        <p:spPr>
-          <a:xfrm>
-            <a:off x="8507580" y="2076266"/>
-            <a:ext cx="2828925" cy="1790700"/>
-          </a:xfrm>
-          <a:prstGeom prst="rect">
-            <a:avLst/>
-          </a:prstGeom>
-        </p:spPr>
-      </p:pic>
     </p:spTree>
     <p:extLst>
       <p:ext uri="{BB962C8B-B14F-4D97-AF65-F5344CB8AC3E}">
@@ -8310,7 +8254,7 @@
           <a:effectLst/>
           <a:extLst>
             <a:ext uri="{C572A759-6A51-4108-AA02-DFA0A04FC94B}">
-              <ma14:wrappingTextBoxFlag xmlns:ma14="http://schemas.microsoft.com/office/mac/drawingml/2011/main" xmlns=""/>
+              <ma14:wrappingTextBoxFlag xmlns="" xmlns:ma14="http://schemas.microsoft.com/office/mac/drawingml/2011/main"/>
             </a:ext>
           </a:extLst>
         </p:spPr>

--- a/Welcome to Team J Project.pptx
+++ b/Welcome to Team J Project.pptx
@@ -14,10 +14,10 @@
     <p:sldId id="256" r:id="rId2"/>
     <p:sldId id="271" r:id="rId3"/>
     <p:sldId id="279" r:id="rId4"/>
-    <p:sldId id="281" r:id="rId5"/>
-    <p:sldId id="280" r:id="rId6"/>
-    <p:sldId id="257" r:id="rId7"/>
-    <p:sldId id="275" r:id="rId8"/>
+    <p:sldId id="280" r:id="rId5"/>
+    <p:sldId id="257" r:id="rId6"/>
+    <p:sldId id="275" r:id="rId7"/>
+    <p:sldId id="284" r:id="rId8"/>
     <p:sldId id="283" r:id="rId9"/>
     <p:sldId id="282" r:id="rId10"/>
   </p:sldIdLst>
@@ -130,10 +130,10 @@
           <p14:sldIdLst>
             <p14:sldId id="271"/>
             <p14:sldId id="279"/>
-            <p14:sldId id="281"/>
             <p14:sldId id="280"/>
             <p14:sldId id="257"/>
             <p14:sldId id="275"/>
+            <p14:sldId id="284"/>
           </p14:sldIdLst>
         </p14:section>
         <p14:section name="Learn More" id="{2CC34DB2-6590-42C0-AD4B-A04C6060184E}">
@@ -257,7 +257,7 @@
           <a:p>
             <a:fld id="{80680FBE-A8DF-4758-9AC4-3A9E1039168F}" type="datetimeFigureOut">
               <a:rPr lang="en-US" smtClean="0"/>
-              <a:t>12/6/2017</a:t>
+              <a:t>12/8/2017</a:t>
             </a:fld>
             <a:endParaRPr lang="en-US"/>
           </a:p>
@@ -422,7 +422,7 @@
           <a:p>
             <a:fld id="{EC13577B-6902-467D-A26C-08A0DD5E4E03}" type="datetimeFigureOut">
               <a:rPr lang="en-US" smtClean="0"/>
-              <a:t>12/6/2017</a:t>
+              <a:t>12/8/2017</a:t>
             </a:fld>
             <a:endParaRPr lang="en-US"/>
           </a:p>
@@ -1314,7 +1314,7 @@
             <a:fld id="{8BEEBAAA-29B5-4AF5-BC5F-7E580C29002D}" type="datetimeFigureOut">
               <a:rPr lang="en-US" smtClean="0"/>
               <a:pPr/>
-              <a:t>12/6/2017</a:t>
+              <a:t>12/8/2017</a:t>
             </a:fld>
             <a:endParaRPr lang="en-US" dirty="0"/>
           </a:p>
@@ -1975,7 +1975,7 @@
             <a:fld id="{8BEEBAAA-29B5-4AF5-BC5F-7E580C29002D}" type="datetimeFigureOut">
               <a:rPr lang="en-US" smtClean="0"/>
               <a:pPr/>
-              <a:t>12/6/2017</a:t>
+              <a:t>12/8/2017</a:t>
             </a:fld>
             <a:endParaRPr lang="en-US" dirty="0"/>
           </a:p>
@@ -2653,7 +2653,7 @@
           <a:p>
             <a:r>
               <a:rPr lang="en-US" dirty="0"/>
-              <a:t>Defining scope</a:t>
+              <a:t>Data Preparation</a:t>
             </a:r>
             <a:endParaRPr lang="en-US" dirty="0">
               <a:latin typeface="Segoe UI Light" panose="020B0502040204020203" pitchFamily="34" charset="0"/>
@@ -2673,7 +2673,7 @@
         <p:spPr>
           <a:xfrm>
             <a:off x="541609" y="1524708"/>
-            <a:ext cx="7660919" cy="3871518"/>
+            <a:ext cx="7660919" cy="5333292"/>
           </a:xfrm>
           <a:prstGeom prst="rect">
             <a:avLst/>
@@ -2888,36 +2888,12 @@
               <a:buNone/>
             </a:pPr>
             <a:r>
-              <a:rPr lang="en-US" b="1">
+              <a:rPr lang="en-US" b="1" dirty="0">
                 <a:solidFill>
                   <a:srgbClr val="00B0F0"/>
                 </a:solidFill>
               </a:rPr>
-              <a:t>    </a:t>
-            </a:r>
-            <a:r>
-              <a:rPr lang="en-US" b="1" dirty="0">
-                <a:solidFill>
-                  <a:srgbClr val="00B0F0"/>
-                </a:solidFill>
-              </a:rPr>
-              <a:t> </a:t>
-            </a:r>
-            <a:r>
-              <a:rPr lang="en-US" b="1">
-                <a:solidFill>
-                  <a:srgbClr val="00B0F0"/>
-                </a:solidFill>
-              </a:rPr>
-              <a:t>World </a:t>
-            </a:r>
-            <a:r>
-              <a:rPr lang="en-US" b="1" dirty="0">
-                <a:solidFill>
-                  <a:srgbClr val="00B0F0"/>
-                </a:solidFill>
-              </a:rPr>
-              <a:t>Health Organization </a:t>
+              <a:t>     World Health Organization </a:t>
             </a:r>
           </a:p>
           <a:p>
@@ -2941,7 +2917,7 @@
           <a:p>
             <a:r>
               <a:rPr lang="en-US" dirty="0"/>
-              <a:t>Identify critical features</a:t>
+              <a:t>Identify critical features:  Transport accidents, Falls, Accidental drowning and submersion, Exposure to smoke, fire and flames, fire and flames, Accidental poisoning by and exposure to noxious substances, Intentional self-harm(Suicide), Assault and all other external causes- Total and both sexes</a:t>
             </a:r>
           </a:p>
           <a:p>
@@ -2953,8 +2929,11 @@
           <a:p>
             <a:r>
               <a:rPr lang="en-US" dirty="0"/>
-              <a:t>population</a:t>
+              <a:t>Additional information: Population/Income level/ Global Peace ranking</a:t>
             </a:r>
+          </a:p>
+          <a:p>
+            <a:endParaRPr lang="en-US" dirty="0"/>
           </a:p>
           <a:p>
             <a:endParaRPr lang="en-US" dirty="0"/>
@@ -2991,36 +2970,6 @@
           <a:xfrm>
             <a:off x="3514594" y="1873770"/>
             <a:ext cx="1981200" cy="704850"/>
-          </a:xfrm>
-          <a:prstGeom prst="rect">
-            <a:avLst/>
-          </a:prstGeom>
-        </p:spPr>
-      </p:pic>
-      <p:pic>
-        <p:nvPicPr>
-          <p:cNvPr id="3" name="Picture 2">
-            <a:extLst>
-              <a:ext uri="{FF2B5EF4-FFF2-40B4-BE49-F238E27FC236}">
-                <a16:creationId xmlns:a16="http://schemas.microsoft.com/office/drawing/2014/main" id="{ADA89650-670F-486F-86FE-BEF8A60CC4DF}"/>
-              </a:ext>
-            </a:extLst>
-          </p:cNvPr>
-          <p:cNvPicPr>
-            <a:picLocks noChangeAspect="1"/>
-          </p:cNvPicPr>
-          <p:nvPr/>
-        </p:nvPicPr>
-        <p:blipFill>
-          <a:blip r:embed="rId5"/>
-          <a:stretch>
-            <a:fillRect/>
-          </a:stretch>
-        </p:blipFill>
-        <p:spPr>
-          <a:xfrm>
-            <a:off x="8202529" y="2565117"/>
-            <a:ext cx="2781300" cy="1790700"/>
           </a:xfrm>
           <a:prstGeom prst="rect">
             <a:avLst/>
@@ -3082,7 +3031,7 @@
           <a:p>
             <a:r>
               <a:rPr lang="en-US" dirty="0"/>
-              <a:t>Defining context for usage</a:t>
+              <a:t>Analysis</a:t>
             </a:r>
             <a:endParaRPr lang="en-US" dirty="0">
               <a:latin typeface="Segoe UI Light" panose="020B0502040204020203" pitchFamily="34" charset="0"/>
@@ -3643,7 +3592,7 @@
               <a:defRPr/>
             </a:pPr>
             <a:r>
-              <a:rPr lang="en-US">
+              <a:rPr lang="en-US" sz="1400" b="1" dirty="0">
                 <a:solidFill>
                   <a:prstClr val="black">
                     <a:lumMod val="75000"/>
@@ -3655,16 +3604,6 @@
               </a:rPr>
               <a:t>Classification of data</a:t>
             </a:r>
-            <a:endParaRPr lang="en-US" dirty="0">
-              <a:solidFill>
-                <a:prstClr val="black">
-                  <a:lumMod val="75000"/>
-                  <a:lumOff val="25000"/>
-                </a:prstClr>
-              </a:solidFill>
-              <a:latin typeface="Segoe UI" panose="020B0502040204020203" pitchFamily="34" charset="0"/>
-              <a:cs typeface="Segoe UI" panose="020B0502040204020203" pitchFamily="34" charset="0"/>
-            </a:endParaRPr>
           </a:p>
         </p:txBody>
       </p:sp>
@@ -3676,10 +3615,10 @@
         </p:nvGrpSpPr>
         <p:grpSpPr bwMode="blackWhite">
           <a:xfrm>
-            <a:off x="531552" y="2804257"/>
-            <a:ext cx="558179" cy="409838"/>
-            <a:chOff x="6953426" y="711274"/>
-            <a:chExt cx="558179" cy="409838"/>
+            <a:off x="513912" y="2682127"/>
+            <a:ext cx="558179" cy="412459"/>
+            <a:chOff x="6950898" y="708653"/>
+            <a:chExt cx="558179" cy="412459"/>
           </a:xfrm>
         </p:grpSpPr>
         <p:sp>
@@ -3738,7 +3677,7 @@
           </p:nvSpPr>
           <p:spPr bwMode="blackWhite">
             <a:xfrm>
-              <a:off x="6953426" y="727564"/>
+              <a:off x="6950898" y="708653"/>
               <a:ext cx="558179" cy="369332"/>
             </a:xfrm>
             <a:prstGeom prst="rect">
@@ -3777,8 +3716,8 @@
         </p:nvSpPr>
         <p:spPr>
           <a:xfrm>
-            <a:off x="1056513" y="2844451"/>
-            <a:ext cx="4504252" cy="481146"/>
+            <a:off x="1156319" y="2702766"/>
+            <a:ext cx="2612517" cy="481146"/>
           </a:xfrm>
           <a:prstGeom prst="rect">
             <a:avLst/>
@@ -3991,7 +3930,7 @@
               <a:defRPr/>
             </a:pPr>
             <a:r>
-              <a:rPr lang="en-US">
+              <a:rPr lang="en-US" sz="1400" b="1" dirty="0">
                 <a:solidFill>
                   <a:prstClr val="black">
                     <a:lumMod val="75000"/>
@@ -4003,16 +3942,6 @@
               </a:rPr>
               <a:t>Prediction of mortality</a:t>
             </a:r>
-            <a:endParaRPr lang="en-US" dirty="0">
-              <a:solidFill>
-                <a:prstClr val="black">
-                  <a:lumMod val="75000"/>
-                  <a:lumOff val="25000"/>
-                </a:prstClr>
-              </a:solidFill>
-              <a:latin typeface="Segoe UI" panose="020B0502040204020203" pitchFamily="34" charset="0"/>
-              <a:cs typeface="Segoe UI" panose="020B0502040204020203" pitchFamily="34" charset="0"/>
-            </a:endParaRPr>
           </a:p>
         </p:txBody>
       </p:sp>
@@ -4125,8 +4054,8 @@
         </p:nvSpPr>
         <p:spPr>
           <a:xfrm>
-            <a:off x="1056513" y="3520631"/>
-            <a:ext cx="4504252" cy="462761"/>
+            <a:off x="1156319" y="3520631"/>
+            <a:ext cx="2752741" cy="462761"/>
           </a:xfrm>
           <a:prstGeom prst="rect">
             <a:avLst/>
@@ -4349,9 +4278,22 @@
                 <a:latin typeface="Segoe UI" panose="020B0502040204020203" pitchFamily="34" charset="0"/>
                 <a:cs typeface="Segoe UI" panose="020B0502040204020203" pitchFamily="34" charset="0"/>
               </a:rPr>
+              <a:t> </a:t>
+            </a:r>
+            <a:r>
+              <a:rPr lang="en-US" sz="1400" b="1" dirty="0">
+                <a:solidFill>
+                  <a:prstClr val="black">
+                    <a:lumMod val="75000"/>
+                    <a:lumOff val="25000"/>
+                  </a:prstClr>
+                </a:solidFill>
+                <a:latin typeface="Segoe UI" panose="020B0502040204020203" pitchFamily="34" charset="0"/>
+                <a:cs typeface="Segoe UI" panose="020B0502040204020203" pitchFamily="34" charset="0"/>
+              </a:rPr>
               <a:t>Trend Analysis/ Correlations</a:t>
             </a:r>
-            <a:endParaRPr lang="en-US" dirty="0">
+            <a:endParaRPr lang="en-US" sz="1400" b="1" dirty="0">
               <a:solidFill>
                 <a:prstClr val="black">
                   <a:lumMod val="75000"/>
@@ -4599,36 +4541,6 @@
           </a:p>
         </p:txBody>
       </p:sp>
-      <p:pic>
-        <p:nvPicPr>
-          <p:cNvPr id="3" name="Picture 2">
-            <a:extLst>
-              <a:ext uri="{FF2B5EF4-FFF2-40B4-BE49-F238E27FC236}">
-                <a16:creationId xmlns:a16="http://schemas.microsoft.com/office/drawing/2014/main" id="{0BAF1858-BACC-4E92-BB10-FF660A5C4F92}"/>
-              </a:ext>
-            </a:extLst>
-          </p:cNvPr>
-          <p:cNvPicPr>
-            <a:picLocks noChangeAspect="1"/>
-          </p:cNvPicPr>
-          <p:nvPr/>
-        </p:nvPicPr>
-        <p:blipFill>
-          <a:blip r:embed="rId2"/>
-          <a:stretch>
-            <a:fillRect/>
-          </a:stretch>
-        </p:blipFill>
-        <p:spPr>
-          <a:xfrm>
-            <a:off x="8507580" y="2076266"/>
-            <a:ext cx="2828925" cy="1790700"/>
-          </a:xfrm>
-          <a:prstGeom prst="rect">
-            <a:avLst/>
-          </a:prstGeom>
-        </p:spPr>
-      </p:pic>
     </p:spTree>
     <p:extLst>
       <p:ext uri="{BB962C8B-B14F-4D97-AF65-F5344CB8AC3E}">
@@ -4679,117 +4591,6 @@
         </p:nvSpPr>
         <p:spPr/>
         <p:txBody>
-          <a:bodyPr/>
-          <a:lstStyle/>
-          <a:p>
-            <a:r>
-              <a:rPr lang="en-US" dirty="0"/>
-              <a:t>Defining target performance</a:t>
-            </a:r>
-            <a:endParaRPr lang="en-US" dirty="0">
-              <a:latin typeface="Segoe UI Light" panose="020B0502040204020203" pitchFamily="34" charset="0"/>
-              <a:cs typeface="Segoe UI Light" panose="020B0502040204020203" pitchFamily="34" charset="0"/>
-            </a:endParaRPr>
-          </a:p>
-        </p:txBody>
-      </p:sp>
-      <p:sp>
-        <p:nvSpPr>
-          <p:cNvPr id="5" name="Content Placeholder 4"/>
-          <p:cNvSpPr>
-            <a:spLocks noGrp="1"/>
-          </p:cNvSpPr>
-          <p:nvPr>
-            <p:ph sz="half" idx="4294967295"/>
-          </p:nvPr>
-        </p:nvSpPr>
-        <p:spPr>
-          <a:xfrm>
-            <a:off x="541610" y="1431010"/>
-            <a:ext cx="4557164" cy="4790886"/>
-          </a:xfrm>
-        </p:spPr>
-        <p:txBody>
-          <a:bodyPr vert="horz" lIns="91440" tIns="45720" rIns="91440" bIns="45720" rtlCol="0">
-            <a:normAutofit/>
-          </a:bodyPr>
-          <a:lstStyle/>
-          <a:p>
-            <a:pPr marL="0" indent="0">
-              <a:lnSpc>
-                <a:spcPts val="1800"/>
-              </a:lnSpc>
-              <a:spcBef>
-                <a:spcPts val="1000"/>
-              </a:spcBef>
-              <a:spcAft>
-                <a:spcPts val="600"/>
-              </a:spcAft>
-              <a:buNone/>
-            </a:pPr>
-            <a:endParaRPr lang="en-US" sz="1200" dirty="0">
-              <a:solidFill>
-                <a:prstClr val="black">
-                  <a:lumMod val="75000"/>
-                  <a:lumOff val="25000"/>
-                </a:prstClr>
-              </a:solidFill>
-              <a:latin typeface="Segoe UI" panose="020B0502040204020203" pitchFamily="34" charset="0"/>
-              <a:cs typeface="Segoe UI" panose="020B0502040204020203" pitchFamily="34" charset="0"/>
-            </a:endParaRPr>
-          </a:p>
-        </p:txBody>
-      </p:sp>
-    </p:spTree>
-    <p:extLst>
-      <p:ext uri="{BB962C8B-B14F-4D97-AF65-F5344CB8AC3E}">
-        <p14:creationId xmlns:p14="http://schemas.microsoft.com/office/powerpoint/2010/main" val="958036878"/>
-      </p:ext>
-    </p:extLst>
-  </p:cSld>
-  <p:clrMapOvr>
-    <a:masterClrMapping/>
-  </p:clrMapOvr>
-  <mc:AlternateContent xmlns:mc="http://schemas.openxmlformats.org/markup-compatibility/2006" xmlns:p14="http://schemas.microsoft.com/office/powerpoint/2010/main">
-    <mc:Choice Requires="p14">
-      <p:transition p14:dur="10"/>
-    </mc:Choice>
-    <mc:Fallback xmlns="">
-      <p:transition/>
-    </mc:Fallback>
-  </mc:AlternateContent>
-</p:sld>
-</file>
-
-<file path=ppt/slides/slide5.xml><?xml version="1.0" encoding="utf-8"?>
-<p:sld xmlns:a="http://schemas.openxmlformats.org/drawingml/2006/main" xmlns:r="http://schemas.openxmlformats.org/officeDocument/2006/relationships" xmlns:p="http://schemas.openxmlformats.org/presentationml/2006/main">
-  <p:cSld>
-    <p:spTree>
-      <p:nvGrpSpPr>
-        <p:cNvPr id="1" name=""/>
-        <p:cNvGrpSpPr/>
-        <p:nvPr/>
-      </p:nvGrpSpPr>
-      <p:grpSpPr>
-        <a:xfrm>
-          <a:off x="0" y="0"/>
-          <a:ext cx="0" cy="0"/>
-          <a:chOff x="0" y="0"/>
-          <a:chExt cx="0" cy="0"/>
-        </a:xfrm>
-      </p:grpSpPr>
-      <p:sp>
-        <p:nvSpPr>
-          <p:cNvPr id="3" name="Title 2"/>
-          <p:cNvSpPr>
-            <a:spLocks noGrp="1"/>
-          </p:cNvSpPr>
-          <p:nvPr>
-            <p:ph type="title"/>
-          </p:nvPr>
-        </p:nvSpPr>
-        <p:spPr/>
-        <p:txBody>
           <a:bodyPr>
             <a:normAutofit fontScale="90000"/>
           </a:bodyPr>
@@ -4806,7 +4607,7 @@
             </a:br>
             <a:r>
               <a:rPr lang="en-US" dirty="0"/>
-              <a:t>Defining the solution</a:t>
+              <a:t>Classification : KNN</a:t>
             </a:r>
           </a:p>
         </p:txBody>
@@ -4821,8 +4622,8 @@
         </p:nvSpPr>
         <p:spPr>
           <a:xfrm>
-            <a:off x="541609" y="1455491"/>
-            <a:ext cx="5110161" cy="471149"/>
+            <a:off x="541609" y="1303021"/>
+            <a:ext cx="5110161" cy="408317"/>
           </a:xfrm>
           <a:prstGeom prst="rect">
             <a:avLst/>
@@ -5034,111 +4835,16 @@
               <a:buNone/>
             </a:pPr>
             <a:r>
-              <a:rPr lang="en-US" dirty="0"/>
-              <a:t>Machine Learning Workflow</a:t>
+              <a:rPr lang="en-US" sz="1400" b="1" dirty="0">
+                <a:latin typeface="Arial" panose="020B0604020202020204" pitchFamily="34" charset="0"/>
+                <a:cs typeface="Arial" panose="020B0604020202020204" pitchFamily="34" charset="0"/>
+              </a:rPr>
+              <a:t>Income level Ranking: 1 Low Income to 3 High Income</a:t>
             </a:r>
+            <a:endParaRPr lang="en-US" sz="1400" b="1" dirty="0"/>
           </a:p>
         </p:txBody>
       </p:sp>
-      <p:grpSp>
-        <p:nvGrpSpPr>
-          <p:cNvPr id="13" name="Group 12" descr="Small circle with number 1 inside  indicating step 1"/>
-          <p:cNvGrpSpPr/>
-          <p:nvPr/>
-        </p:nvGrpSpPr>
-        <p:grpSpPr bwMode="blackWhite">
-          <a:xfrm>
-            <a:off x="558723" y="1917997"/>
-            <a:ext cx="558179" cy="409838"/>
-            <a:chOff x="6953426" y="711274"/>
-            <a:chExt cx="558179" cy="409838"/>
-          </a:xfrm>
-        </p:grpSpPr>
-        <p:sp>
-          <p:nvSpPr>
-            <p:cNvPr id="14" name="Oval 13" descr="Small circle"/>
-            <p:cNvSpPr/>
-            <p:nvPr/>
-          </p:nvSpPr>
-          <p:spPr bwMode="blackWhite">
-            <a:xfrm>
-              <a:off x="7025069" y="711274"/>
-              <a:ext cx="409838" cy="409838"/>
-            </a:xfrm>
-            <a:prstGeom prst="ellipse">
-              <a:avLst/>
-            </a:prstGeom>
-            <a:solidFill>
-              <a:srgbClr val="D24726"/>
-            </a:solidFill>
-            <a:ln>
-              <a:noFill/>
-            </a:ln>
-          </p:spPr>
-          <p:style>
-            <a:lnRef idx="2">
-              <a:schemeClr val="accent1">
-                <a:shade val="50000"/>
-              </a:schemeClr>
-            </a:lnRef>
-            <a:fillRef idx="1">
-              <a:schemeClr val="accent1"/>
-            </a:fillRef>
-            <a:effectRef idx="0">
-              <a:schemeClr val="accent1"/>
-            </a:effectRef>
-            <a:fontRef idx="minor">
-              <a:schemeClr val="lt1"/>
-            </a:fontRef>
-          </p:style>
-          <p:txBody>
-            <a:bodyPr rtlCol="0" anchor="ctr"/>
-            <a:lstStyle/>
-            <a:p>
-              <a:pPr algn="ctr"/>
-              <a:endParaRPr lang="en-US"/>
-            </a:p>
-          </p:txBody>
-        </p:sp>
-        <p:sp>
-          <p:nvSpPr>
-            <p:cNvPr id="15" name="TextBox 14" descr="Number 1"/>
-            <p:cNvSpPr txBox="1">
-              <a:spLocks noChangeAspect="1"/>
-            </p:cNvSpPr>
-            <p:nvPr/>
-          </p:nvSpPr>
-          <p:spPr bwMode="blackWhite">
-            <a:xfrm>
-              <a:off x="6953426" y="727564"/>
-              <a:ext cx="558179" cy="369332"/>
-            </a:xfrm>
-            <a:prstGeom prst="rect">
-              <a:avLst/>
-            </a:prstGeom>
-            <a:noFill/>
-          </p:spPr>
-          <p:txBody>
-            <a:bodyPr wrap="square" rtlCol="0">
-              <a:spAutoFit/>
-            </a:bodyPr>
-            <a:lstStyle/>
-            <a:p>
-              <a:pPr algn="ctr"/>
-              <a:r>
-                <a:rPr lang="en-US" dirty="0">
-                  <a:solidFill>
-                    <a:schemeClr val="bg1"/>
-                  </a:solidFill>
-                  <a:latin typeface="Segoe UI Semibold" panose="020B0702040204020203" pitchFamily="34" charset="0"/>
-                  <a:cs typeface="Segoe UI Semibold" panose="020B0702040204020203" pitchFamily="34" charset="0"/>
-                </a:rPr>
-                <a:t>1</a:t>
-              </a:r>
-            </a:p>
-          </p:txBody>
-        </p:sp>
-      </p:grpSp>
       <p:sp>
         <p:nvSpPr>
           <p:cNvPr id="16" name="Content Placeholder 17"/>
@@ -5358,112 +5064,10 @@
             <a:pPr marL="0" indent="0">
               <a:buNone/>
             </a:pPr>
-            <a:r>
-              <a:rPr lang="en-US" dirty="0"/>
-              <a:t>Process WHO data sheet</a:t>
-            </a:r>
+            <a:endParaRPr lang="en-US" dirty="0"/>
           </a:p>
         </p:txBody>
       </p:sp>
-      <p:grpSp>
-        <p:nvGrpSpPr>
-          <p:cNvPr id="18" name="Group 17" descr="Small circle with number 2 inside  indicating step 2"/>
-          <p:cNvGrpSpPr/>
-          <p:nvPr/>
-        </p:nvGrpSpPr>
-        <p:grpSpPr bwMode="blackWhite">
-          <a:xfrm>
-            <a:off x="541609" y="2486247"/>
-            <a:ext cx="558179" cy="409838"/>
-            <a:chOff x="6953426" y="711274"/>
-            <a:chExt cx="558179" cy="409838"/>
-          </a:xfrm>
-        </p:grpSpPr>
-        <p:sp>
-          <p:nvSpPr>
-            <p:cNvPr id="23" name="Oval 22" descr="Small circle"/>
-            <p:cNvSpPr/>
-            <p:nvPr/>
-          </p:nvSpPr>
-          <p:spPr bwMode="blackWhite">
-            <a:xfrm>
-              <a:off x="7025069" y="711274"/>
-              <a:ext cx="409838" cy="409838"/>
-            </a:xfrm>
-            <a:prstGeom prst="ellipse">
-              <a:avLst/>
-            </a:prstGeom>
-            <a:solidFill>
-              <a:srgbClr val="D24726"/>
-            </a:solidFill>
-            <a:ln>
-              <a:noFill/>
-            </a:ln>
-          </p:spPr>
-          <p:style>
-            <a:lnRef idx="2">
-              <a:schemeClr val="accent1">
-                <a:shade val="50000"/>
-              </a:schemeClr>
-            </a:lnRef>
-            <a:fillRef idx="1">
-              <a:schemeClr val="accent1"/>
-            </a:fillRef>
-            <a:effectRef idx="0">
-              <a:schemeClr val="accent1"/>
-            </a:effectRef>
-            <a:fontRef idx="minor">
-              <a:schemeClr val="lt1"/>
-            </a:fontRef>
-          </p:style>
-          <p:txBody>
-            <a:bodyPr rtlCol="0" anchor="ctr"/>
-            <a:lstStyle/>
-            <a:p>
-              <a:pPr algn="ctr"/>
-              <a:endParaRPr lang="en-US"/>
-            </a:p>
-          </p:txBody>
-        </p:sp>
-        <p:sp>
-          <p:nvSpPr>
-            <p:cNvPr id="24" name="TextBox 23" descr="Number 2"/>
-            <p:cNvSpPr txBox="1">
-              <a:spLocks noChangeAspect="1"/>
-            </p:cNvSpPr>
-            <p:nvPr/>
-          </p:nvSpPr>
-          <p:spPr bwMode="blackWhite">
-            <a:xfrm>
-              <a:off x="6953426" y="727564"/>
-              <a:ext cx="558179" cy="369332"/>
-            </a:xfrm>
-            <a:prstGeom prst="rect">
-              <a:avLst/>
-            </a:prstGeom>
-            <a:noFill/>
-          </p:spPr>
-          <p:txBody>
-            <a:bodyPr wrap="square" rtlCol="0">
-              <a:spAutoFit/>
-            </a:bodyPr>
-            <a:lstStyle/>
-            <a:p>
-              <a:pPr algn="ctr"/>
-              <a:r>
-                <a:rPr lang="en-US" dirty="0">
-                  <a:solidFill>
-                    <a:schemeClr val="bg1"/>
-                  </a:solidFill>
-                  <a:latin typeface="Segoe UI Semibold" panose="020B0702040204020203" pitchFamily="34" charset="0"/>
-                  <a:cs typeface="Segoe UI Semibold" panose="020B0702040204020203" pitchFamily="34" charset="0"/>
-                </a:rPr>
-                <a:t>2</a:t>
-              </a:r>
-            </a:p>
-          </p:txBody>
-        </p:sp>
-      </p:grpSp>
       <p:sp>
         <p:nvSpPr>
           <p:cNvPr id="25" name="Content Placeholder 17"/>
@@ -5686,121 +5290,19 @@
               </a:spcAft>
               <a:buNone/>
             </a:pPr>
-            <a:r>
-              <a:rPr lang="en-US" dirty="0">
-                <a:solidFill>
-                  <a:prstClr val="black">
-                    <a:lumMod val="75000"/>
-                    <a:lumOff val="25000"/>
-                  </a:prstClr>
-                </a:solidFill>
-                <a:latin typeface="Segoe UI" panose="020B0502040204020203" pitchFamily="34" charset="0"/>
-                <a:cs typeface="Segoe UI" panose="020B0502040204020203" pitchFamily="34" charset="0"/>
-              </a:rPr>
-              <a:t>Transform data as required</a:t>
-            </a:r>
+            <a:endParaRPr lang="en-US" dirty="0">
+              <a:solidFill>
+                <a:prstClr val="black">
+                  <a:lumMod val="75000"/>
+                  <a:lumOff val="25000"/>
+                </a:prstClr>
+              </a:solidFill>
+              <a:latin typeface="Segoe UI" panose="020B0502040204020203" pitchFamily="34" charset="0"/>
+              <a:cs typeface="Segoe UI" panose="020B0502040204020203" pitchFamily="34" charset="0"/>
+            </a:endParaRPr>
           </a:p>
         </p:txBody>
       </p:sp>
-      <p:grpSp>
-        <p:nvGrpSpPr>
-          <p:cNvPr id="26" name="Group 25" descr="Small circle with number 3 inside  indicating step 3"/>
-          <p:cNvGrpSpPr/>
-          <p:nvPr/>
-        </p:nvGrpSpPr>
-        <p:grpSpPr bwMode="blackWhite">
-          <a:xfrm>
-            <a:off x="558723" y="3455332"/>
-            <a:ext cx="558179" cy="409838"/>
-            <a:chOff x="6954830" y="-177626"/>
-            <a:chExt cx="558179" cy="409838"/>
-          </a:xfrm>
-        </p:grpSpPr>
-        <p:sp>
-          <p:nvSpPr>
-            <p:cNvPr id="27" name="Oval 26" descr="Small circle"/>
-            <p:cNvSpPr/>
-            <p:nvPr/>
-          </p:nvSpPr>
-          <p:spPr bwMode="blackWhite">
-            <a:xfrm>
-              <a:off x="7016497" y="-177626"/>
-              <a:ext cx="409838" cy="409838"/>
-            </a:xfrm>
-            <a:prstGeom prst="ellipse">
-              <a:avLst/>
-            </a:prstGeom>
-            <a:solidFill>
-              <a:srgbClr val="D24726"/>
-            </a:solidFill>
-            <a:ln>
-              <a:noFill/>
-            </a:ln>
-          </p:spPr>
-          <p:style>
-            <a:lnRef idx="2">
-              <a:schemeClr val="accent1">
-                <a:shade val="50000"/>
-              </a:schemeClr>
-            </a:lnRef>
-            <a:fillRef idx="1">
-              <a:schemeClr val="accent1"/>
-            </a:fillRef>
-            <a:effectRef idx="0">
-              <a:schemeClr val="accent1"/>
-            </a:effectRef>
-            <a:fontRef idx="minor">
-              <a:schemeClr val="lt1"/>
-            </a:fontRef>
-          </p:style>
-          <p:txBody>
-            <a:bodyPr rtlCol="0" anchor="ctr"/>
-            <a:lstStyle/>
-            <a:p>
-              <a:pPr algn="ctr"/>
-              <a:endParaRPr lang="en-US"/>
-            </a:p>
-          </p:txBody>
-        </p:sp>
-        <p:sp>
-          <p:nvSpPr>
-            <p:cNvPr id="28" name="TextBox 27" descr="Number 3"/>
-            <p:cNvSpPr txBox="1">
-              <a:spLocks noChangeAspect="1"/>
-            </p:cNvSpPr>
-            <p:nvPr/>
-          </p:nvSpPr>
-          <p:spPr bwMode="blackWhite">
-            <a:xfrm>
-              <a:off x="6954830" y="-160913"/>
-              <a:ext cx="558179" cy="369332"/>
-            </a:xfrm>
-            <a:prstGeom prst="rect">
-              <a:avLst/>
-            </a:prstGeom>
-            <a:noFill/>
-          </p:spPr>
-          <p:txBody>
-            <a:bodyPr wrap="square" rtlCol="0">
-              <a:spAutoFit/>
-            </a:bodyPr>
-            <a:lstStyle/>
-            <a:p>
-              <a:pPr algn="ctr"/>
-              <a:r>
-                <a:rPr lang="en-US" dirty="0">
-                  <a:solidFill>
-                    <a:schemeClr val="bg1"/>
-                  </a:solidFill>
-                  <a:latin typeface="Segoe UI Semibold" panose="020B0702040204020203" pitchFamily="34" charset="0"/>
-                  <a:cs typeface="Segoe UI Semibold" panose="020B0702040204020203" pitchFamily="34" charset="0"/>
-                </a:rPr>
-                <a:t>3</a:t>
-              </a:r>
-            </a:p>
-          </p:txBody>
-        </p:sp>
-      </p:grpSp>
       <p:sp>
         <p:nvSpPr>
           <p:cNvPr id="29" name="Content Placeholder 17"/>
@@ -6277,7 +5779,7 @@
         </p:nvCxnSpPr>
         <p:spPr>
           <a:xfrm>
-            <a:off x="6296866" y="1472431"/>
+            <a:off x="5547836" y="1610949"/>
             <a:ext cx="0" cy="4892634"/>
           </a:xfrm>
           <a:prstGeom prst="line">
@@ -6308,10 +5810,10 @@
       </p:cxnSp>
       <p:sp>
         <p:nvSpPr>
-          <p:cNvPr id="4" name="Rectangle 3">
+          <p:cNvPr id="6" name="Rectangle 5">
             <a:extLst>
               <a:ext uri="{FF2B5EF4-FFF2-40B4-BE49-F238E27FC236}">
-                <a16:creationId xmlns:a16="http://schemas.microsoft.com/office/drawing/2014/main" id="{36164117-48B8-450C-9B01-D1FC65DA8976}"/>
+                <a16:creationId xmlns:a16="http://schemas.microsoft.com/office/drawing/2014/main" id="{1F76BA90-3614-4E91-A4A3-08AA1270C6AE}"/>
               </a:ext>
             </a:extLst>
           </p:cNvPr>
@@ -6320,8 +5822,8 @@
         </p:nvSpPr>
         <p:spPr>
           <a:xfrm>
-            <a:off x="1246870" y="3277689"/>
-            <a:ext cx="3248866" cy="3170099"/>
+            <a:off x="5887452" y="1311859"/>
+            <a:ext cx="4679565" cy="779701"/>
           </a:xfrm>
           <a:prstGeom prst="rect">
             <a:avLst/>
@@ -6333,151 +5835,36 @@
           </a:bodyPr>
           <a:lstStyle/>
           <a:p>
+            <a:pPr>
+              <a:spcAft>
+                <a:spcPts val="2000"/>
+              </a:spcAft>
+            </a:pPr>
             <a:r>
-              <a:rPr lang="en-US" sz="2000" dirty="0">
-                <a:solidFill>
-                  <a:srgbClr val="000000"/>
-                </a:solidFill>
-                <a:latin typeface="Gotham Medium"/>
+              <a:rPr lang="en-US" sz="1400" b="1" dirty="0">
+                <a:latin typeface="Arial" panose="020B0604020202020204" pitchFamily="34" charset="0"/>
+                <a:cs typeface="Arial" panose="020B0604020202020204" pitchFamily="34" charset="0"/>
               </a:rPr>
-              <a:t>Excel spreadsheets</a:t>
+              <a:t>Global Peace Ranking: 1 being Safest to 7 Unsafe</a:t>
             </a:r>
-          </a:p>
-          <a:p>
-            <a:r>
-              <a:rPr lang="en-US" sz="2000" dirty="0">
-                <a:solidFill>
-                  <a:srgbClr val="000000"/>
-                </a:solidFill>
-                <a:latin typeface="Gotham Medium"/>
-              </a:rPr>
-              <a:t>Jupiter Notebook</a:t>
-            </a:r>
-          </a:p>
-          <a:p>
-            <a:r>
-              <a:rPr lang="en-US" sz="2000" dirty="0" err="1">
-                <a:solidFill>
-                  <a:srgbClr val="000000"/>
-                </a:solidFill>
-                <a:latin typeface="Gotham Medium"/>
-              </a:rPr>
-              <a:t>numpy</a:t>
-            </a:r>
-            <a:r>
-              <a:rPr lang="en-US" sz="2000" dirty="0">
-                <a:solidFill>
-                  <a:srgbClr val="000000"/>
-                </a:solidFill>
-                <a:latin typeface="Gotham Medium"/>
-              </a:rPr>
-              <a:t>–scientific computing</a:t>
-            </a:r>
-          </a:p>
-          <a:p>
-            <a:r>
-              <a:rPr lang="en-US" sz="2000" dirty="0">
-                <a:solidFill>
-                  <a:srgbClr val="000000"/>
-                </a:solidFill>
-                <a:latin typeface="Gotham Medium"/>
-              </a:rPr>
-              <a:t>pandas –data frames</a:t>
-            </a:r>
-          </a:p>
-          <a:p>
-            <a:r>
-              <a:rPr lang="en-US" sz="2000" dirty="0" err="1">
-                <a:solidFill>
-                  <a:srgbClr val="000000"/>
-                </a:solidFill>
-                <a:latin typeface="Gotham Medium"/>
-              </a:rPr>
-              <a:t>matplotlib</a:t>
-            </a:r>
-            <a:r>
-              <a:rPr lang="en-US" sz="2000" dirty="0">
-                <a:solidFill>
-                  <a:srgbClr val="000000"/>
-                </a:solidFill>
-                <a:latin typeface="Gotham Medium"/>
-              </a:rPr>
-              <a:t>–2D plotting</a:t>
-            </a:r>
-          </a:p>
-          <a:p>
-            <a:r>
-              <a:rPr lang="en-US" sz="2000" dirty="0" err="1">
-                <a:solidFill>
-                  <a:srgbClr val="000000"/>
-                </a:solidFill>
-                <a:latin typeface="Gotham Medium"/>
-              </a:rPr>
-              <a:t>scikit</a:t>
-            </a:r>
-            <a:r>
-              <a:rPr lang="en-US" sz="2000" dirty="0">
-                <a:solidFill>
-                  <a:srgbClr val="000000"/>
-                </a:solidFill>
-                <a:latin typeface="Gotham Medium"/>
-              </a:rPr>
-              <a:t>-learn </a:t>
-            </a:r>
-          </a:p>
-          <a:p>
-            <a:r>
-              <a:rPr lang="en-US" sz="2000" dirty="0">
-                <a:solidFill>
-                  <a:srgbClr val="000000"/>
-                </a:solidFill>
-                <a:latin typeface="Gotham Book"/>
-              </a:rPr>
-              <a:t>Algorithms</a:t>
-            </a:r>
-          </a:p>
-          <a:p>
-            <a:r>
-              <a:rPr lang="en-US" sz="2000" dirty="0">
-                <a:solidFill>
-                  <a:srgbClr val="000000"/>
-                </a:solidFill>
-                <a:latin typeface="Gotham Book"/>
-              </a:rPr>
-              <a:t>Pre-processing</a:t>
-            </a:r>
-          </a:p>
-          <a:p>
-            <a:r>
-              <a:rPr lang="en-US" sz="2000" dirty="0">
-                <a:solidFill>
-                  <a:srgbClr val="000000"/>
-                </a:solidFill>
-                <a:latin typeface="Gotham Book"/>
-              </a:rPr>
-              <a:t>Performance evaluation</a:t>
-            </a:r>
-          </a:p>
-          <a:p>
-            <a:r>
-              <a:rPr lang="en-US" sz="2000" dirty="0">
-                <a:solidFill>
-                  <a:srgbClr val="000000"/>
-                </a:solidFill>
-                <a:latin typeface="Gotham Book"/>
-              </a:rPr>
-              <a:t>And more …</a:t>
-            </a:r>
-            <a:endParaRPr lang="en-US" dirty="0"/>
+            <a:endParaRPr lang="en-US" sz="1400" b="1" dirty="0"/>
+          </a:p>
+          <a:p>
+            <a:pPr>
+              <a:spcAft>
+                <a:spcPts val="2000"/>
+              </a:spcAft>
+            </a:pPr>
+            <a:endParaRPr lang="en-US" sz="1400" b="1" dirty="0"/>
           </a:p>
         </p:txBody>
       </p:sp>
       <p:pic>
         <p:nvPicPr>
-          <p:cNvPr id="8" name="Picture 7">
+          <p:cNvPr id="31" name="Content Placeholder 2">
             <a:extLst>
               <a:ext uri="{FF2B5EF4-FFF2-40B4-BE49-F238E27FC236}">
-                <a16:creationId xmlns:a16="http://schemas.microsoft.com/office/drawing/2014/main" id="{3AF76C19-6E26-4418-A025-E3770791FC8D}"/>
+                <a16:creationId xmlns:a16="http://schemas.microsoft.com/office/drawing/2014/main" id="{B95D2920-9EE1-4891-A6FB-67D7A4F43A8E}"/>
               </a:ext>
             </a:extLst>
           </p:cNvPr>
@@ -6494,8 +5881,68 @@
         </p:blipFill>
         <p:spPr>
           <a:xfrm>
-            <a:off x="7303168" y="1995373"/>
-            <a:ext cx="2590800" cy="1847850"/>
+            <a:off x="340465" y="1883369"/>
+            <a:ext cx="5103437" cy="4459905"/>
+          </a:xfrm>
+          <a:prstGeom prst="rect">
+            <a:avLst/>
+          </a:prstGeom>
+        </p:spPr>
+      </p:pic>
+      <p:sp>
+        <p:nvSpPr>
+          <p:cNvPr id="9" name="Content Placeholder 8">
+            <a:extLst>
+              <a:ext uri="{FF2B5EF4-FFF2-40B4-BE49-F238E27FC236}">
+                <a16:creationId xmlns:a16="http://schemas.microsoft.com/office/drawing/2014/main" id="{BDBFB705-86F1-4DA1-BB2A-61C78D3A41CF}"/>
+              </a:ext>
+            </a:extLst>
+          </p:cNvPr>
+          <p:cNvSpPr>
+            <a:spLocks noGrp="1"/>
+          </p:cNvSpPr>
+          <p:nvPr>
+            <p:ph sz="quarter" idx="10"/>
+          </p:nvPr>
+        </p:nvSpPr>
+        <p:spPr>
+          <a:xfrm>
+            <a:off x="319732" y="1883369"/>
+            <a:ext cx="5103438" cy="4459905"/>
+          </a:xfrm>
+        </p:spPr>
+        <p:txBody>
+          <a:bodyPr/>
+          <a:lstStyle/>
+          <a:p>
+            <a:endParaRPr lang="en-US" dirty="0"/>
+          </a:p>
+        </p:txBody>
+      </p:sp>
+      <p:pic>
+        <p:nvPicPr>
+          <p:cNvPr id="10" name="Picture 9">
+            <a:extLst>
+              <a:ext uri="{FF2B5EF4-FFF2-40B4-BE49-F238E27FC236}">
+                <a16:creationId xmlns:a16="http://schemas.microsoft.com/office/drawing/2014/main" id="{103D1DC1-E3D8-4250-BB37-CE48E408A3A4}"/>
+              </a:ext>
+            </a:extLst>
+          </p:cNvPr>
+          <p:cNvPicPr>
+            <a:picLocks noChangeAspect="1"/>
+          </p:cNvPicPr>
+          <p:nvPr/>
+        </p:nvPicPr>
+        <p:blipFill>
+          <a:blip r:embed="rId3"/>
+          <a:stretch>
+            <a:fillRect/>
+          </a:stretch>
+        </p:blipFill>
+        <p:spPr>
+          <a:xfrm>
+            <a:off x="5887452" y="1883368"/>
+            <a:ext cx="4932948" cy="4459905"/>
           </a:xfrm>
           <a:prstGeom prst="rect">
             <a:avLst/>
@@ -6515,7 +5962,7 @@
 </p:sld>
 </file>
 
-<file path=ppt/slides/slide6.xml><?xml version="1.0" encoding="utf-8"?>
+<file path=ppt/slides/slide5.xml><?xml version="1.0" encoding="utf-8"?>
 <p:sld xmlns:a="http://schemas.openxmlformats.org/drawingml/2006/main" xmlns:r="http://schemas.openxmlformats.org/officeDocument/2006/relationships" xmlns:p="http://schemas.openxmlformats.org/presentationml/2006/main">
   <p:cSld>
     <p:spTree>
@@ -6555,163 +6002,8 @@
                 <a:latin typeface="Segoe UI Light" panose="020B0502040204020203" pitchFamily="34" charset="0"/>
                 <a:cs typeface="Segoe UI Light" panose="020B0502040204020203" pitchFamily="34" charset="0"/>
               </a:rPr>
-              <a:t>Machine Learning Work flow</a:t>
+              <a:t>Scatter Plot</a:t>
             </a:r>
-          </a:p>
-        </p:txBody>
-      </p:sp>
-      <p:sp>
-        <p:nvSpPr>
-          <p:cNvPr id="5" name="Content Placeholder 4"/>
-          <p:cNvSpPr>
-            <a:spLocks noGrp="1"/>
-          </p:cNvSpPr>
-          <p:nvPr>
-            <p:ph sz="half" idx="4294967295"/>
-          </p:nvPr>
-        </p:nvSpPr>
-        <p:spPr>
-          <a:xfrm>
-            <a:off x="541611" y="1431010"/>
-            <a:ext cx="4413626" cy="3978275"/>
-          </a:xfrm>
-        </p:spPr>
-        <p:txBody>
-          <a:bodyPr vert="horz" lIns="91440" tIns="45720" rIns="91440" bIns="45720" rtlCol="0">
-            <a:normAutofit/>
-          </a:bodyPr>
-          <a:lstStyle/>
-          <a:p>
-            <a:pPr marL="0" indent="0">
-              <a:lnSpc>
-                <a:spcPts val="1800"/>
-              </a:lnSpc>
-              <a:spcBef>
-                <a:spcPts val="1000"/>
-              </a:spcBef>
-              <a:spcAft>
-                <a:spcPts val="2000"/>
-              </a:spcAft>
-              <a:buNone/>
-            </a:pPr>
-            <a:r>
-              <a:rPr lang="en-US" sz="1200" dirty="0">
-                <a:solidFill>
-                  <a:prstClr val="black">
-                    <a:lumMod val="75000"/>
-                    <a:lumOff val="25000"/>
-                  </a:prstClr>
-                </a:solidFill>
-                <a:latin typeface="Segoe UI" panose="020B0502040204020203" pitchFamily="34" charset="0"/>
-                <a:cs typeface="Segoe UI" panose="020B0502040204020203" pitchFamily="34" charset="0"/>
-              </a:rPr>
-              <a:t>Preparing and tidying the data</a:t>
-            </a:r>
-          </a:p>
-          <a:p>
-            <a:pPr marL="0" indent="0">
-              <a:lnSpc>
-                <a:spcPts val="1800"/>
-              </a:lnSpc>
-              <a:spcBef>
-                <a:spcPts val="1000"/>
-              </a:spcBef>
-              <a:spcAft>
-                <a:spcPts val="2000"/>
-              </a:spcAft>
-              <a:buNone/>
-            </a:pPr>
-            <a:r>
-              <a:rPr lang="en-US" dirty="0">
-                <a:solidFill>
-                  <a:prstClr val="black">
-                    <a:lumMod val="75000"/>
-                    <a:lumOff val="25000"/>
-                  </a:prstClr>
-                </a:solidFill>
-                <a:latin typeface="Segoe UI" panose="020B0502040204020203" pitchFamily="34" charset="0"/>
-                <a:cs typeface="Segoe UI" panose="020B0502040204020203" pitchFamily="34" charset="0"/>
-              </a:rPr>
-              <a:t>General trend analysis</a:t>
-            </a:r>
-          </a:p>
-          <a:p>
-            <a:pPr marL="0" indent="0">
-              <a:lnSpc>
-                <a:spcPts val="1800"/>
-              </a:lnSpc>
-              <a:spcBef>
-                <a:spcPts val="1000"/>
-              </a:spcBef>
-              <a:spcAft>
-                <a:spcPts val="2000"/>
-              </a:spcAft>
-              <a:buNone/>
-            </a:pPr>
-            <a:r>
-              <a:rPr lang="en-US" sz="1200" dirty="0">
-                <a:solidFill>
-                  <a:prstClr val="black">
-                    <a:lumMod val="75000"/>
-                    <a:lumOff val="25000"/>
-                  </a:prstClr>
-                </a:solidFill>
-                <a:latin typeface="Segoe UI" panose="020B0502040204020203" pitchFamily="34" charset="0"/>
-                <a:cs typeface="Segoe UI" panose="020B0502040204020203" pitchFamily="34" charset="0"/>
-              </a:rPr>
-              <a:t>Selecting the algorithm to train the model</a:t>
-            </a:r>
-          </a:p>
-          <a:p>
-            <a:pPr marL="0" indent="0">
-              <a:lnSpc>
-                <a:spcPts val="1800"/>
-              </a:lnSpc>
-              <a:spcBef>
-                <a:spcPts val="1000"/>
-              </a:spcBef>
-              <a:spcAft>
-                <a:spcPts val="2000"/>
-              </a:spcAft>
-              <a:buNone/>
-            </a:pPr>
-            <a:r>
-              <a:rPr lang="en-US" sz="1200" dirty="0">
-                <a:solidFill>
-                  <a:prstClr val="black">
-                    <a:lumMod val="75000"/>
-                    <a:lumOff val="25000"/>
-                  </a:prstClr>
-                </a:solidFill>
-                <a:latin typeface="Segoe UI" panose="020B0502040204020203" pitchFamily="34" charset="0"/>
-                <a:cs typeface="Segoe UI" panose="020B0502040204020203" pitchFamily="34" charset="0"/>
-              </a:rPr>
-              <a:t>Testing the Model</a:t>
-            </a:r>
-          </a:p>
-          <a:p>
-            <a:pPr marL="0" indent="0">
-              <a:lnSpc>
-                <a:spcPts val="1800"/>
-              </a:lnSpc>
-              <a:spcBef>
-                <a:spcPts val="1000"/>
-              </a:spcBef>
-              <a:spcAft>
-                <a:spcPts val="2000"/>
-              </a:spcAft>
-              <a:buNone/>
-            </a:pPr>
-            <a:endParaRPr lang="en-US" sz="1200" dirty="0">
-              <a:solidFill>
-                <a:prstClr val="black">
-                  <a:lumMod val="75000"/>
-                  <a:lumOff val="25000"/>
-                </a:prstClr>
-              </a:solidFill>
-              <a:latin typeface="Segoe UI" panose="020B0502040204020203" pitchFamily="34" charset="0"/>
-              <a:cs typeface="Segoe UI" panose="020B0502040204020203" pitchFamily="34" charset="0"/>
-            </a:endParaRPr>
           </a:p>
         </p:txBody>
       </p:sp>
@@ -7185,10 +6477,1457 @@
           </a:p>
         </p:txBody>
       </p:sp>
+      <p:sp>
+        <p:nvSpPr>
+          <p:cNvPr id="7" name="Content Placeholder 17">
+            <a:extLst>
+              <a:ext uri="{FF2B5EF4-FFF2-40B4-BE49-F238E27FC236}">
+                <a16:creationId xmlns:a16="http://schemas.microsoft.com/office/drawing/2014/main" id="{B9DEEE25-835F-4E26-91E9-1AA9EA691B5F}"/>
+              </a:ext>
+            </a:extLst>
+          </p:cNvPr>
+          <p:cNvSpPr txBox="1">
+            <a:spLocks/>
+          </p:cNvSpPr>
+          <p:nvPr/>
+        </p:nvSpPr>
+        <p:spPr>
+          <a:xfrm>
+            <a:off x="521207" y="1399890"/>
+            <a:ext cx="5110161" cy="340680"/>
+          </a:xfrm>
+          <a:prstGeom prst="rect">
+            <a:avLst/>
+          </a:prstGeom>
+        </p:spPr>
+        <p:txBody>
+          <a:bodyPr vert="horz" lIns="91440" tIns="45720" rIns="91440" bIns="45720" rtlCol="0">
+            <a:normAutofit/>
+          </a:bodyPr>
+          <a:lstStyle>
+            <a:lvl1pPr marL="228600" indent="-228600" algn="l" defTabSz="914400" rtl="0" eaLnBrk="1" latinLnBrk="0" hangingPunct="1">
+              <a:lnSpc>
+                <a:spcPts val="1800"/>
+              </a:lnSpc>
+              <a:spcBef>
+                <a:spcPts val="1000"/>
+              </a:spcBef>
+              <a:spcAft>
+                <a:spcPts val="1000"/>
+              </a:spcAft>
+              <a:buFont typeface="Arial" panose="020B0604020202020204" pitchFamily="34" charset="0"/>
+              <a:buChar char="•"/>
+              <a:defRPr lang="en-US" sz="1200" kern="1200" smtClean="0">
+                <a:solidFill>
+                  <a:schemeClr val="tx1">
+                    <a:lumMod val="75000"/>
+                    <a:lumOff val="25000"/>
+                  </a:schemeClr>
+                </a:solidFill>
+                <a:latin typeface="+mn-lt"/>
+                <a:ea typeface="+mn-ea"/>
+                <a:cs typeface="+mn-cs"/>
+              </a:defRPr>
+            </a:lvl1pPr>
+            <a:lvl2pPr marL="685800" indent="-228600" algn="l" defTabSz="914400" rtl="0" eaLnBrk="1" latinLnBrk="0" hangingPunct="1">
+              <a:lnSpc>
+                <a:spcPts val="1800"/>
+              </a:lnSpc>
+              <a:spcBef>
+                <a:spcPts val="1000"/>
+              </a:spcBef>
+              <a:spcAft>
+                <a:spcPts val="1000"/>
+              </a:spcAft>
+              <a:buFont typeface="Arial" panose="020B0604020202020204" pitchFamily="34" charset="0"/>
+              <a:buChar char="•"/>
+              <a:defRPr lang="en-US" sz="1200" kern="1200" smtClean="0">
+                <a:solidFill>
+                  <a:schemeClr val="tx1">
+                    <a:lumMod val="75000"/>
+                    <a:lumOff val="25000"/>
+                  </a:schemeClr>
+                </a:solidFill>
+                <a:latin typeface="+mn-lt"/>
+                <a:ea typeface="+mn-ea"/>
+                <a:cs typeface="+mn-cs"/>
+              </a:defRPr>
+            </a:lvl2pPr>
+            <a:lvl3pPr marL="1143000" indent="-228600" algn="l" defTabSz="914400" rtl="0" eaLnBrk="1" latinLnBrk="0" hangingPunct="1">
+              <a:lnSpc>
+                <a:spcPts val="1800"/>
+              </a:lnSpc>
+              <a:spcBef>
+                <a:spcPts val="1000"/>
+              </a:spcBef>
+              <a:spcAft>
+                <a:spcPts val="1000"/>
+              </a:spcAft>
+              <a:buFont typeface="Arial" panose="020B0604020202020204" pitchFamily="34" charset="0"/>
+              <a:buChar char="•"/>
+              <a:defRPr lang="en-US" sz="1200" kern="1200" smtClean="0">
+                <a:solidFill>
+                  <a:schemeClr val="tx1">
+                    <a:lumMod val="75000"/>
+                    <a:lumOff val="25000"/>
+                  </a:schemeClr>
+                </a:solidFill>
+                <a:latin typeface="+mn-lt"/>
+                <a:ea typeface="+mn-ea"/>
+                <a:cs typeface="+mn-cs"/>
+              </a:defRPr>
+            </a:lvl3pPr>
+            <a:lvl4pPr marL="1600200" indent="-228600" algn="l" defTabSz="914400" rtl="0" eaLnBrk="1" latinLnBrk="0" hangingPunct="1">
+              <a:lnSpc>
+                <a:spcPts val="1800"/>
+              </a:lnSpc>
+              <a:spcBef>
+                <a:spcPts val="1000"/>
+              </a:spcBef>
+              <a:spcAft>
+                <a:spcPts val="1000"/>
+              </a:spcAft>
+              <a:buFont typeface="Arial" panose="020B0604020202020204" pitchFamily="34" charset="0"/>
+              <a:buChar char="•"/>
+              <a:defRPr lang="en-US" sz="1200" kern="1200" smtClean="0">
+                <a:solidFill>
+                  <a:schemeClr val="tx1">
+                    <a:lumMod val="75000"/>
+                    <a:lumOff val="25000"/>
+                  </a:schemeClr>
+                </a:solidFill>
+                <a:latin typeface="+mn-lt"/>
+                <a:ea typeface="+mn-ea"/>
+                <a:cs typeface="+mn-cs"/>
+              </a:defRPr>
+            </a:lvl4pPr>
+            <a:lvl5pPr marL="2057400" indent="-228600" algn="l" defTabSz="914400" rtl="0" eaLnBrk="1" latinLnBrk="0" hangingPunct="1">
+              <a:lnSpc>
+                <a:spcPts val="1800"/>
+              </a:lnSpc>
+              <a:spcBef>
+                <a:spcPts val="1000"/>
+              </a:spcBef>
+              <a:spcAft>
+                <a:spcPts val="1000"/>
+              </a:spcAft>
+              <a:buFont typeface="Arial" panose="020B0604020202020204" pitchFamily="34" charset="0"/>
+              <a:buChar char="•"/>
+              <a:defRPr lang="en-US" sz="1200" kern="1200">
+                <a:solidFill>
+                  <a:schemeClr val="tx1">
+                    <a:lumMod val="75000"/>
+                    <a:lumOff val="25000"/>
+                  </a:schemeClr>
+                </a:solidFill>
+                <a:latin typeface="+mn-lt"/>
+                <a:ea typeface="+mn-ea"/>
+                <a:cs typeface="+mn-cs"/>
+              </a:defRPr>
+            </a:lvl5pPr>
+            <a:lvl6pPr marL="2514600" indent="-228600" algn="l" defTabSz="914400" rtl="0" eaLnBrk="1" latinLnBrk="0" hangingPunct="1">
+              <a:lnSpc>
+                <a:spcPct val="90000"/>
+              </a:lnSpc>
+              <a:spcBef>
+                <a:spcPct val="30000"/>
+              </a:spcBef>
+              <a:buFont typeface="Arial" panose="020B0604020202020204" pitchFamily="34" charset="0"/>
+              <a:buChar char="•"/>
+              <a:defRPr sz="1800" kern="1200">
+                <a:solidFill>
+                  <a:schemeClr val="tx1"/>
+                </a:solidFill>
+                <a:latin typeface="+mn-lt"/>
+                <a:ea typeface="+mn-ea"/>
+                <a:cs typeface="+mn-cs"/>
+              </a:defRPr>
+            </a:lvl6pPr>
+            <a:lvl7pPr marL="2971800" indent="-228600" algn="l" defTabSz="914400" rtl="0" eaLnBrk="1" latinLnBrk="0" hangingPunct="1">
+              <a:lnSpc>
+                <a:spcPct val="90000"/>
+              </a:lnSpc>
+              <a:spcBef>
+                <a:spcPct val="30000"/>
+              </a:spcBef>
+              <a:buFont typeface="Arial" panose="020B0604020202020204" pitchFamily="34" charset="0"/>
+              <a:buChar char="•"/>
+              <a:defRPr sz="1800" kern="1200">
+                <a:solidFill>
+                  <a:schemeClr val="tx1"/>
+                </a:solidFill>
+                <a:latin typeface="+mn-lt"/>
+                <a:ea typeface="+mn-ea"/>
+                <a:cs typeface="+mn-cs"/>
+              </a:defRPr>
+            </a:lvl7pPr>
+            <a:lvl8pPr marL="3429000" indent="-228600" algn="l" defTabSz="914400" rtl="0" eaLnBrk="1" latinLnBrk="0" hangingPunct="1">
+              <a:lnSpc>
+                <a:spcPct val="90000"/>
+              </a:lnSpc>
+              <a:spcBef>
+                <a:spcPct val="30000"/>
+              </a:spcBef>
+              <a:buFont typeface="Arial" panose="020B0604020202020204" pitchFamily="34" charset="0"/>
+              <a:buChar char="•"/>
+              <a:defRPr sz="1800" kern="1200">
+                <a:solidFill>
+                  <a:schemeClr val="tx1"/>
+                </a:solidFill>
+                <a:latin typeface="+mn-lt"/>
+                <a:ea typeface="+mn-ea"/>
+                <a:cs typeface="+mn-cs"/>
+              </a:defRPr>
+            </a:lvl8pPr>
+            <a:lvl9pPr marL="3886200" indent="-228600" algn="l" defTabSz="914400" rtl="0" eaLnBrk="1" latinLnBrk="0" hangingPunct="1">
+              <a:lnSpc>
+                <a:spcPct val="90000"/>
+              </a:lnSpc>
+              <a:spcBef>
+                <a:spcPct val="30000"/>
+              </a:spcBef>
+              <a:buFont typeface="Arial" panose="020B0604020202020204" pitchFamily="34" charset="0"/>
+              <a:buChar char="•"/>
+              <a:defRPr sz="1800" kern="1200">
+                <a:solidFill>
+                  <a:schemeClr val="tx1"/>
+                </a:solidFill>
+                <a:latin typeface="+mn-lt"/>
+                <a:ea typeface="+mn-ea"/>
+                <a:cs typeface="+mn-cs"/>
+              </a:defRPr>
+            </a:lvl9pPr>
+          </a:lstStyle>
+          <a:p>
+            <a:pPr marL="0" indent="0">
+              <a:buNone/>
+            </a:pPr>
+            <a:r>
+              <a:rPr lang="en-US" b="1" dirty="0">
+                <a:latin typeface="Arial" panose="020B0604020202020204" pitchFamily="34" charset="0"/>
+                <a:cs typeface="Arial" panose="020B0604020202020204" pitchFamily="34" charset="0"/>
+              </a:rPr>
+              <a:t>Fire vs Population graph for countries with less than 3M population</a:t>
+            </a:r>
+            <a:endParaRPr lang="en-US" dirty="0">
+              <a:latin typeface="Arial" panose="020B0604020202020204" pitchFamily="34" charset="0"/>
+              <a:cs typeface="Arial" panose="020B0604020202020204" pitchFamily="34" charset="0"/>
+            </a:endParaRPr>
+          </a:p>
+        </p:txBody>
+      </p:sp>
+      <p:pic>
+        <p:nvPicPr>
+          <p:cNvPr id="9" name="Content Placeholder 8">
+            <a:extLst>
+              <a:ext uri="{FF2B5EF4-FFF2-40B4-BE49-F238E27FC236}">
+                <a16:creationId xmlns:a16="http://schemas.microsoft.com/office/drawing/2014/main" id="{A38DD084-0F48-4D1D-B12B-FC16D9F3A409}"/>
+              </a:ext>
+            </a:extLst>
+          </p:cNvPr>
+          <p:cNvPicPr>
+            <a:picLocks noGrp="1"/>
+          </p:cNvPicPr>
+          <p:nvPr>
+            <p:ph sz="quarter" idx="10"/>
+          </p:nvPr>
+        </p:nvPicPr>
+        <p:blipFill>
+          <a:blip r:embed="rId2"/>
+          <a:stretch>
+            <a:fillRect/>
+          </a:stretch>
+        </p:blipFill>
+        <p:spPr>
+          <a:xfrm>
+            <a:off x="360948" y="1740569"/>
+            <a:ext cx="5847347" cy="4852736"/>
+          </a:xfrm>
+          <a:prstGeom prst="rect">
+            <a:avLst/>
+          </a:prstGeom>
+        </p:spPr>
+      </p:pic>
+      <p:cxnSp>
+        <p:nvCxnSpPr>
+          <p:cNvPr id="10" name="Straight Connector 9" descr="Light grey line separating Morph text and images">
+            <a:extLst>
+              <a:ext uri="{FF2B5EF4-FFF2-40B4-BE49-F238E27FC236}">
+                <a16:creationId xmlns:a16="http://schemas.microsoft.com/office/drawing/2014/main" id="{39805DDB-0898-4D45-93B4-7A2216A606E3}"/>
+              </a:ext>
+            </a:extLst>
+          </p:cNvPr>
+          <p:cNvCxnSpPr>
+            <a:cxnSpLocks/>
+          </p:cNvCxnSpPr>
+          <p:nvPr/>
+        </p:nvCxnSpPr>
+        <p:spPr>
+          <a:xfrm>
+            <a:off x="6208295" y="1323474"/>
+            <a:ext cx="93520" cy="5446294"/>
+          </a:xfrm>
+          <a:prstGeom prst="line">
+            <a:avLst/>
+          </a:prstGeom>
+          <a:ln w="9525">
+            <a:solidFill>
+              <a:schemeClr val="bg2">
+                <a:lumMod val="90000"/>
+              </a:schemeClr>
+            </a:solidFill>
+          </a:ln>
+        </p:spPr>
+        <p:style>
+          <a:lnRef idx="1">
+            <a:schemeClr val="accent1"/>
+          </a:lnRef>
+          <a:fillRef idx="0">
+            <a:schemeClr val="accent1"/>
+          </a:fillRef>
+          <a:effectRef idx="0">
+            <a:schemeClr val="accent1"/>
+          </a:effectRef>
+          <a:fontRef idx="minor">
+            <a:schemeClr val="tx1"/>
+          </a:fontRef>
+        </p:style>
+      </p:cxnSp>
+      <p:pic>
+        <p:nvPicPr>
+          <p:cNvPr id="12" name="Picture 11">
+            <a:extLst>
+              <a:ext uri="{FF2B5EF4-FFF2-40B4-BE49-F238E27FC236}">
+                <a16:creationId xmlns:a16="http://schemas.microsoft.com/office/drawing/2014/main" id="{D5B2D283-D122-463F-A432-A088ECB0E0DA}"/>
+              </a:ext>
+            </a:extLst>
+          </p:cNvPr>
+          <p:cNvPicPr>
+            <a:picLocks noChangeAspect="1"/>
+          </p:cNvPicPr>
+          <p:nvPr/>
+        </p:nvPicPr>
+        <p:blipFill>
+          <a:blip r:embed="rId3"/>
+          <a:stretch>
+            <a:fillRect/>
+          </a:stretch>
+        </p:blipFill>
+        <p:spPr>
+          <a:xfrm>
+            <a:off x="6301815" y="1743299"/>
+            <a:ext cx="5577364" cy="4143403"/>
+          </a:xfrm>
+          <a:prstGeom prst="rect">
+            <a:avLst/>
+          </a:prstGeom>
+        </p:spPr>
+      </p:pic>
+      <p:sp>
+        <p:nvSpPr>
+          <p:cNvPr id="13" name="Rectangle 12">
+            <a:extLst>
+              <a:ext uri="{FF2B5EF4-FFF2-40B4-BE49-F238E27FC236}">
+                <a16:creationId xmlns:a16="http://schemas.microsoft.com/office/drawing/2014/main" id="{ECF48DB6-EC7C-4485-87A8-8C8C9E7B6D2B}"/>
+              </a:ext>
+            </a:extLst>
+          </p:cNvPr>
+          <p:cNvSpPr/>
+          <p:nvPr/>
+        </p:nvSpPr>
+        <p:spPr>
+          <a:xfrm>
+            <a:off x="6301815" y="1431730"/>
+            <a:ext cx="5624124" cy="276999"/>
+          </a:xfrm>
+          <a:prstGeom prst="rect">
+            <a:avLst/>
+          </a:prstGeom>
+        </p:spPr>
+        <p:txBody>
+          <a:bodyPr wrap="square">
+            <a:spAutoFit/>
+          </a:bodyPr>
+          <a:lstStyle/>
+          <a:p>
+            <a:r>
+              <a:rPr lang="en-US" sz="1200" b="1" dirty="0">
+                <a:latin typeface="Arial" panose="020B0604020202020204" pitchFamily="34" charset="0"/>
+                <a:ea typeface="SimSun" panose="02010600030101010101" pitchFamily="2" charset="-122"/>
+                <a:cs typeface="Arial" panose="020B0604020202020204" pitchFamily="34" charset="0"/>
+              </a:rPr>
+              <a:t>Fire</a:t>
+            </a:r>
+            <a:r>
+              <a:rPr lang="en-US" sz="1200" b="1" dirty="0">
+                <a:latin typeface="Calibri" panose="020F0502020204030204" pitchFamily="34" charset="0"/>
+                <a:ea typeface="SimSun" panose="02010600030101010101" pitchFamily="2" charset="-122"/>
+                <a:cs typeface="Arial" panose="020B0604020202020204" pitchFamily="34" charset="0"/>
+              </a:rPr>
+              <a:t> vs Population graph for countries with less than 100M population</a:t>
+            </a:r>
+            <a:endParaRPr lang="en-US" sz="1200" dirty="0"/>
+          </a:p>
+        </p:txBody>
+      </p:sp>
     </p:spTree>
     <p:extLst>
       <p:ext uri="{BB962C8B-B14F-4D97-AF65-F5344CB8AC3E}">
         <p14:creationId xmlns:p14="http://schemas.microsoft.com/office/powerpoint/2010/main" val="1328676004"/>
+      </p:ext>
+    </p:extLst>
+  </p:cSld>
+  <p:clrMapOvr>
+    <a:masterClrMapping/>
+  </p:clrMapOvr>
+  <mc:AlternateContent xmlns:mc="http://schemas.openxmlformats.org/markup-compatibility/2006" xmlns:p14="http://schemas.microsoft.com/office/powerpoint/2010/main">
+    <mc:Choice Requires="p14">
+      <p:transition p14:dur="10"/>
+    </mc:Choice>
+    <mc:Fallback xmlns="">
+      <p:transition/>
+    </mc:Fallback>
+  </mc:AlternateContent>
+</p:sld>
+</file>
+
+<file path=ppt/slides/slide6.xml><?xml version="1.0" encoding="utf-8"?>
+<p:sld xmlns:a="http://schemas.openxmlformats.org/drawingml/2006/main" xmlns:r="http://schemas.openxmlformats.org/officeDocument/2006/relationships" xmlns:p="http://schemas.openxmlformats.org/presentationml/2006/main">
+  <p:cSld>
+    <p:spTree>
+      <p:nvGrpSpPr>
+        <p:cNvPr id="1" name=""/>
+        <p:cNvGrpSpPr/>
+        <p:nvPr/>
+      </p:nvGrpSpPr>
+      <p:grpSpPr>
+        <a:xfrm>
+          <a:off x="0" y="0"/>
+          <a:ext cx="0" cy="0"/>
+          <a:chOff x="0" y="0"/>
+          <a:chExt cx="0" cy="0"/>
+        </a:xfrm>
+      </p:grpSpPr>
+      <p:sp>
+        <p:nvSpPr>
+          <p:cNvPr id="6" name="Title 5"/>
+          <p:cNvSpPr>
+            <a:spLocks noGrp="1"/>
+          </p:cNvSpPr>
+          <p:nvPr>
+            <p:ph type="title"/>
+          </p:nvPr>
+        </p:nvSpPr>
+        <p:spPr/>
+        <p:txBody>
+          <a:bodyPr/>
+          <a:lstStyle/>
+          <a:p>
+            <a:endParaRPr lang="en-US" dirty="0">
+              <a:latin typeface="Segoe UI Light" panose="020B0502040204020203" pitchFamily="34" charset="0"/>
+              <a:cs typeface="Segoe UI Light" panose="020B0502040204020203" pitchFamily="34" charset="0"/>
+            </a:endParaRPr>
+          </a:p>
+        </p:txBody>
+      </p:sp>
+      <p:sp>
+        <p:nvSpPr>
+          <p:cNvPr id="38" name="Content Placeholder 17"/>
+          <p:cNvSpPr txBox="1">
+            <a:spLocks/>
+          </p:cNvSpPr>
+          <p:nvPr/>
+        </p:nvSpPr>
+        <p:spPr>
+          <a:xfrm>
+            <a:off x="541609" y="1296100"/>
+            <a:ext cx="5110161" cy="1236475"/>
+          </a:xfrm>
+          <a:prstGeom prst="rect">
+            <a:avLst/>
+          </a:prstGeom>
+        </p:spPr>
+        <p:txBody>
+          <a:bodyPr vert="horz" lIns="91440" tIns="45720" rIns="91440" bIns="45720" rtlCol="0">
+            <a:normAutofit/>
+          </a:bodyPr>
+          <a:lstStyle>
+            <a:lvl1pPr marL="228600" indent="-228600" algn="l" defTabSz="914400" rtl="0" eaLnBrk="1" latinLnBrk="0" hangingPunct="1">
+              <a:lnSpc>
+                <a:spcPts val="1800"/>
+              </a:lnSpc>
+              <a:spcBef>
+                <a:spcPts val="1000"/>
+              </a:spcBef>
+              <a:spcAft>
+                <a:spcPts val="1000"/>
+              </a:spcAft>
+              <a:buFont typeface="Arial" panose="020B0604020202020204" pitchFamily="34" charset="0"/>
+              <a:buChar char="•"/>
+              <a:defRPr lang="en-US" sz="1200" kern="1200" smtClean="0">
+                <a:solidFill>
+                  <a:schemeClr val="tx1">
+                    <a:lumMod val="75000"/>
+                    <a:lumOff val="25000"/>
+                  </a:schemeClr>
+                </a:solidFill>
+                <a:latin typeface="+mn-lt"/>
+                <a:ea typeface="+mn-ea"/>
+                <a:cs typeface="+mn-cs"/>
+              </a:defRPr>
+            </a:lvl1pPr>
+            <a:lvl2pPr marL="685800" indent="-228600" algn="l" defTabSz="914400" rtl="0" eaLnBrk="1" latinLnBrk="0" hangingPunct="1">
+              <a:lnSpc>
+                <a:spcPts val="1800"/>
+              </a:lnSpc>
+              <a:spcBef>
+                <a:spcPts val="1000"/>
+              </a:spcBef>
+              <a:spcAft>
+                <a:spcPts val="1000"/>
+              </a:spcAft>
+              <a:buFont typeface="Arial" panose="020B0604020202020204" pitchFamily="34" charset="0"/>
+              <a:buChar char="•"/>
+              <a:defRPr lang="en-US" sz="1200" kern="1200" smtClean="0">
+                <a:solidFill>
+                  <a:schemeClr val="tx1">
+                    <a:lumMod val="75000"/>
+                    <a:lumOff val="25000"/>
+                  </a:schemeClr>
+                </a:solidFill>
+                <a:latin typeface="+mn-lt"/>
+                <a:ea typeface="+mn-ea"/>
+                <a:cs typeface="+mn-cs"/>
+              </a:defRPr>
+            </a:lvl2pPr>
+            <a:lvl3pPr marL="1143000" indent="-228600" algn="l" defTabSz="914400" rtl="0" eaLnBrk="1" latinLnBrk="0" hangingPunct="1">
+              <a:lnSpc>
+                <a:spcPts val="1800"/>
+              </a:lnSpc>
+              <a:spcBef>
+                <a:spcPts val="1000"/>
+              </a:spcBef>
+              <a:spcAft>
+                <a:spcPts val="1000"/>
+              </a:spcAft>
+              <a:buFont typeface="Arial" panose="020B0604020202020204" pitchFamily="34" charset="0"/>
+              <a:buChar char="•"/>
+              <a:defRPr lang="en-US" sz="1200" kern="1200" smtClean="0">
+                <a:solidFill>
+                  <a:schemeClr val="tx1">
+                    <a:lumMod val="75000"/>
+                    <a:lumOff val="25000"/>
+                  </a:schemeClr>
+                </a:solidFill>
+                <a:latin typeface="+mn-lt"/>
+                <a:ea typeface="+mn-ea"/>
+                <a:cs typeface="+mn-cs"/>
+              </a:defRPr>
+            </a:lvl3pPr>
+            <a:lvl4pPr marL="1600200" indent="-228600" algn="l" defTabSz="914400" rtl="0" eaLnBrk="1" latinLnBrk="0" hangingPunct="1">
+              <a:lnSpc>
+                <a:spcPts val="1800"/>
+              </a:lnSpc>
+              <a:spcBef>
+                <a:spcPts val="1000"/>
+              </a:spcBef>
+              <a:spcAft>
+                <a:spcPts val="1000"/>
+              </a:spcAft>
+              <a:buFont typeface="Arial" panose="020B0604020202020204" pitchFamily="34" charset="0"/>
+              <a:buChar char="•"/>
+              <a:defRPr lang="en-US" sz="1200" kern="1200" smtClean="0">
+                <a:solidFill>
+                  <a:schemeClr val="tx1">
+                    <a:lumMod val="75000"/>
+                    <a:lumOff val="25000"/>
+                  </a:schemeClr>
+                </a:solidFill>
+                <a:latin typeface="+mn-lt"/>
+                <a:ea typeface="+mn-ea"/>
+                <a:cs typeface="+mn-cs"/>
+              </a:defRPr>
+            </a:lvl4pPr>
+            <a:lvl5pPr marL="2057400" indent="-228600" algn="l" defTabSz="914400" rtl="0" eaLnBrk="1" latinLnBrk="0" hangingPunct="1">
+              <a:lnSpc>
+                <a:spcPts val="1800"/>
+              </a:lnSpc>
+              <a:spcBef>
+                <a:spcPts val="1000"/>
+              </a:spcBef>
+              <a:spcAft>
+                <a:spcPts val="1000"/>
+              </a:spcAft>
+              <a:buFont typeface="Arial" panose="020B0604020202020204" pitchFamily="34" charset="0"/>
+              <a:buChar char="•"/>
+              <a:defRPr lang="en-US" sz="1200" kern="1200">
+                <a:solidFill>
+                  <a:schemeClr val="tx1">
+                    <a:lumMod val="75000"/>
+                    <a:lumOff val="25000"/>
+                  </a:schemeClr>
+                </a:solidFill>
+                <a:latin typeface="+mn-lt"/>
+                <a:ea typeface="+mn-ea"/>
+                <a:cs typeface="+mn-cs"/>
+              </a:defRPr>
+            </a:lvl5pPr>
+            <a:lvl6pPr marL="2514600" indent="-228600" algn="l" defTabSz="914400" rtl="0" eaLnBrk="1" latinLnBrk="0" hangingPunct="1">
+              <a:lnSpc>
+                <a:spcPct val="90000"/>
+              </a:lnSpc>
+              <a:spcBef>
+                <a:spcPct val="30000"/>
+              </a:spcBef>
+              <a:buFont typeface="Arial" panose="020B0604020202020204" pitchFamily="34" charset="0"/>
+              <a:buChar char="•"/>
+              <a:defRPr sz="1800" kern="1200">
+                <a:solidFill>
+                  <a:schemeClr val="tx1"/>
+                </a:solidFill>
+                <a:latin typeface="+mn-lt"/>
+                <a:ea typeface="+mn-ea"/>
+                <a:cs typeface="+mn-cs"/>
+              </a:defRPr>
+            </a:lvl6pPr>
+            <a:lvl7pPr marL="2971800" indent="-228600" algn="l" defTabSz="914400" rtl="0" eaLnBrk="1" latinLnBrk="0" hangingPunct="1">
+              <a:lnSpc>
+                <a:spcPct val="90000"/>
+              </a:lnSpc>
+              <a:spcBef>
+                <a:spcPct val="30000"/>
+              </a:spcBef>
+              <a:buFont typeface="Arial" panose="020B0604020202020204" pitchFamily="34" charset="0"/>
+              <a:buChar char="•"/>
+              <a:defRPr sz="1800" kern="1200">
+                <a:solidFill>
+                  <a:schemeClr val="tx1"/>
+                </a:solidFill>
+                <a:latin typeface="+mn-lt"/>
+                <a:ea typeface="+mn-ea"/>
+                <a:cs typeface="+mn-cs"/>
+              </a:defRPr>
+            </a:lvl7pPr>
+            <a:lvl8pPr marL="3429000" indent="-228600" algn="l" defTabSz="914400" rtl="0" eaLnBrk="1" latinLnBrk="0" hangingPunct="1">
+              <a:lnSpc>
+                <a:spcPct val="90000"/>
+              </a:lnSpc>
+              <a:spcBef>
+                <a:spcPct val="30000"/>
+              </a:spcBef>
+              <a:buFont typeface="Arial" panose="020B0604020202020204" pitchFamily="34" charset="0"/>
+              <a:buChar char="•"/>
+              <a:defRPr sz="1800" kern="1200">
+                <a:solidFill>
+                  <a:schemeClr val="tx1"/>
+                </a:solidFill>
+                <a:latin typeface="+mn-lt"/>
+                <a:ea typeface="+mn-ea"/>
+                <a:cs typeface="+mn-cs"/>
+              </a:defRPr>
+            </a:lvl8pPr>
+            <a:lvl9pPr marL="3886200" indent="-228600" algn="l" defTabSz="914400" rtl="0" eaLnBrk="1" latinLnBrk="0" hangingPunct="1">
+              <a:lnSpc>
+                <a:spcPct val="90000"/>
+              </a:lnSpc>
+              <a:spcBef>
+                <a:spcPct val="30000"/>
+              </a:spcBef>
+              <a:buFont typeface="Arial" panose="020B0604020202020204" pitchFamily="34" charset="0"/>
+              <a:buChar char="•"/>
+              <a:defRPr sz="1800" kern="1200">
+                <a:solidFill>
+                  <a:schemeClr val="tx1"/>
+                </a:solidFill>
+                <a:latin typeface="+mn-lt"/>
+                <a:ea typeface="+mn-ea"/>
+                <a:cs typeface="+mn-cs"/>
+              </a:defRPr>
+            </a:lvl9pPr>
+          </a:lstStyle>
+          <a:p>
+            <a:pPr marL="0" indent="0">
+              <a:spcAft>
+                <a:spcPts val="2000"/>
+              </a:spcAft>
+              <a:buNone/>
+            </a:pPr>
+            <a:endParaRPr lang="en-US" dirty="0">
+              <a:latin typeface="Segoe UI" panose="020B0502040204020203" pitchFamily="34" charset="0"/>
+              <a:cs typeface="Segoe UI" panose="020B0502040204020203" pitchFamily="34" charset="0"/>
+            </a:endParaRPr>
+          </a:p>
+        </p:txBody>
+      </p:sp>
+      <p:sp>
+        <p:nvSpPr>
+          <p:cNvPr id="29" name="Content Placeholder 17"/>
+          <p:cNvSpPr txBox="1">
+            <a:spLocks/>
+          </p:cNvSpPr>
+          <p:nvPr/>
+        </p:nvSpPr>
+        <p:spPr>
+          <a:xfrm>
+            <a:off x="1066039" y="2678694"/>
+            <a:ext cx="3121671" cy="467647"/>
+          </a:xfrm>
+          <a:prstGeom prst="rect">
+            <a:avLst/>
+          </a:prstGeom>
+        </p:spPr>
+        <p:txBody>
+          <a:bodyPr vert="horz" lIns="91440" tIns="45720" rIns="91440" bIns="45720" rtlCol="0">
+            <a:normAutofit/>
+          </a:bodyPr>
+          <a:lstStyle>
+            <a:lvl1pPr marL="228600" indent="-228600" algn="l" defTabSz="914400" rtl="0" eaLnBrk="1" latinLnBrk="0" hangingPunct="1">
+              <a:lnSpc>
+                <a:spcPts val="1800"/>
+              </a:lnSpc>
+              <a:spcBef>
+                <a:spcPts val="1000"/>
+              </a:spcBef>
+              <a:spcAft>
+                <a:spcPts val="1000"/>
+              </a:spcAft>
+              <a:buFont typeface="Arial" panose="020B0604020202020204" pitchFamily="34" charset="0"/>
+              <a:buChar char="•"/>
+              <a:defRPr lang="en-US" sz="1200" kern="1200" smtClean="0">
+                <a:solidFill>
+                  <a:schemeClr val="tx1">
+                    <a:lumMod val="75000"/>
+                    <a:lumOff val="25000"/>
+                  </a:schemeClr>
+                </a:solidFill>
+                <a:latin typeface="+mn-lt"/>
+                <a:ea typeface="+mn-ea"/>
+                <a:cs typeface="+mn-cs"/>
+              </a:defRPr>
+            </a:lvl1pPr>
+            <a:lvl2pPr marL="685800" indent="-228600" algn="l" defTabSz="914400" rtl="0" eaLnBrk="1" latinLnBrk="0" hangingPunct="1">
+              <a:lnSpc>
+                <a:spcPts val="1800"/>
+              </a:lnSpc>
+              <a:spcBef>
+                <a:spcPts val="1000"/>
+              </a:spcBef>
+              <a:spcAft>
+                <a:spcPts val="1000"/>
+              </a:spcAft>
+              <a:buFont typeface="Arial" panose="020B0604020202020204" pitchFamily="34" charset="0"/>
+              <a:buChar char="•"/>
+              <a:defRPr lang="en-US" sz="1200" kern="1200" smtClean="0">
+                <a:solidFill>
+                  <a:schemeClr val="tx1">
+                    <a:lumMod val="75000"/>
+                    <a:lumOff val="25000"/>
+                  </a:schemeClr>
+                </a:solidFill>
+                <a:latin typeface="+mn-lt"/>
+                <a:ea typeface="+mn-ea"/>
+                <a:cs typeface="+mn-cs"/>
+              </a:defRPr>
+            </a:lvl2pPr>
+            <a:lvl3pPr marL="1143000" indent="-228600" algn="l" defTabSz="914400" rtl="0" eaLnBrk="1" latinLnBrk="0" hangingPunct="1">
+              <a:lnSpc>
+                <a:spcPts val="1800"/>
+              </a:lnSpc>
+              <a:spcBef>
+                <a:spcPts val="1000"/>
+              </a:spcBef>
+              <a:spcAft>
+                <a:spcPts val="1000"/>
+              </a:spcAft>
+              <a:buFont typeface="Arial" panose="020B0604020202020204" pitchFamily="34" charset="0"/>
+              <a:buChar char="•"/>
+              <a:defRPr lang="en-US" sz="1200" kern="1200" smtClean="0">
+                <a:solidFill>
+                  <a:schemeClr val="tx1">
+                    <a:lumMod val="75000"/>
+                    <a:lumOff val="25000"/>
+                  </a:schemeClr>
+                </a:solidFill>
+                <a:latin typeface="+mn-lt"/>
+                <a:ea typeface="+mn-ea"/>
+                <a:cs typeface="+mn-cs"/>
+              </a:defRPr>
+            </a:lvl3pPr>
+            <a:lvl4pPr marL="1600200" indent="-228600" algn="l" defTabSz="914400" rtl="0" eaLnBrk="1" latinLnBrk="0" hangingPunct="1">
+              <a:lnSpc>
+                <a:spcPts val="1800"/>
+              </a:lnSpc>
+              <a:spcBef>
+                <a:spcPts val="1000"/>
+              </a:spcBef>
+              <a:spcAft>
+                <a:spcPts val="1000"/>
+              </a:spcAft>
+              <a:buFont typeface="Arial" panose="020B0604020202020204" pitchFamily="34" charset="0"/>
+              <a:buChar char="•"/>
+              <a:defRPr lang="en-US" sz="1200" kern="1200" smtClean="0">
+                <a:solidFill>
+                  <a:schemeClr val="tx1">
+                    <a:lumMod val="75000"/>
+                    <a:lumOff val="25000"/>
+                  </a:schemeClr>
+                </a:solidFill>
+                <a:latin typeface="+mn-lt"/>
+                <a:ea typeface="+mn-ea"/>
+                <a:cs typeface="+mn-cs"/>
+              </a:defRPr>
+            </a:lvl4pPr>
+            <a:lvl5pPr marL="2057400" indent="-228600" algn="l" defTabSz="914400" rtl="0" eaLnBrk="1" latinLnBrk="0" hangingPunct="1">
+              <a:lnSpc>
+                <a:spcPts val="1800"/>
+              </a:lnSpc>
+              <a:spcBef>
+                <a:spcPts val="1000"/>
+              </a:spcBef>
+              <a:spcAft>
+                <a:spcPts val="1000"/>
+              </a:spcAft>
+              <a:buFont typeface="Arial" panose="020B0604020202020204" pitchFamily="34" charset="0"/>
+              <a:buChar char="•"/>
+              <a:defRPr lang="en-US" sz="1200" kern="1200">
+                <a:solidFill>
+                  <a:schemeClr val="tx1">
+                    <a:lumMod val="75000"/>
+                    <a:lumOff val="25000"/>
+                  </a:schemeClr>
+                </a:solidFill>
+                <a:latin typeface="+mn-lt"/>
+                <a:ea typeface="+mn-ea"/>
+                <a:cs typeface="+mn-cs"/>
+              </a:defRPr>
+            </a:lvl5pPr>
+            <a:lvl6pPr marL="2514600" indent="-228600" algn="l" defTabSz="914400" rtl="0" eaLnBrk="1" latinLnBrk="0" hangingPunct="1">
+              <a:lnSpc>
+                <a:spcPct val="90000"/>
+              </a:lnSpc>
+              <a:spcBef>
+                <a:spcPct val="30000"/>
+              </a:spcBef>
+              <a:buFont typeface="Arial" panose="020B0604020202020204" pitchFamily="34" charset="0"/>
+              <a:buChar char="•"/>
+              <a:defRPr sz="1800" kern="1200">
+                <a:solidFill>
+                  <a:schemeClr val="tx1"/>
+                </a:solidFill>
+                <a:latin typeface="+mn-lt"/>
+                <a:ea typeface="+mn-ea"/>
+                <a:cs typeface="+mn-cs"/>
+              </a:defRPr>
+            </a:lvl6pPr>
+            <a:lvl7pPr marL="2971800" indent="-228600" algn="l" defTabSz="914400" rtl="0" eaLnBrk="1" latinLnBrk="0" hangingPunct="1">
+              <a:lnSpc>
+                <a:spcPct val="90000"/>
+              </a:lnSpc>
+              <a:spcBef>
+                <a:spcPct val="30000"/>
+              </a:spcBef>
+              <a:buFont typeface="Arial" panose="020B0604020202020204" pitchFamily="34" charset="0"/>
+              <a:buChar char="•"/>
+              <a:defRPr sz="1800" kern="1200">
+                <a:solidFill>
+                  <a:schemeClr val="tx1"/>
+                </a:solidFill>
+                <a:latin typeface="+mn-lt"/>
+                <a:ea typeface="+mn-ea"/>
+                <a:cs typeface="+mn-cs"/>
+              </a:defRPr>
+            </a:lvl7pPr>
+            <a:lvl8pPr marL="3429000" indent="-228600" algn="l" defTabSz="914400" rtl="0" eaLnBrk="1" latinLnBrk="0" hangingPunct="1">
+              <a:lnSpc>
+                <a:spcPct val="90000"/>
+              </a:lnSpc>
+              <a:spcBef>
+                <a:spcPct val="30000"/>
+              </a:spcBef>
+              <a:buFont typeface="Arial" panose="020B0604020202020204" pitchFamily="34" charset="0"/>
+              <a:buChar char="•"/>
+              <a:defRPr sz="1800" kern="1200">
+                <a:solidFill>
+                  <a:schemeClr val="tx1"/>
+                </a:solidFill>
+                <a:latin typeface="+mn-lt"/>
+                <a:ea typeface="+mn-ea"/>
+                <a:cs typeface="+mn-cs"/>
+              </a:defRPr>
+            </a:lvl8pPr>
+            <a:lvl9pPr marL="3886200" indent="-228600" algn="l" defTabSz="914400" rtl="0" eaLnBrk="1" latinLnBrk="0" hangingPunct="1">
+              <a:lnSpc>
+                <a:spcPct val="90000"/>
+              </a:lnSpc>
+              <a:spcBef>
+                <a:spcPct val="30000"/>
+              </a:spcBef>
+              <a:buFont typeface="Arial" panose="020B0604020202020204" pitchFamily="34" charset="0"/>
+              <a:buChar char="•"/>
+              <a:defRPr sz="1800" kern="1200">
+                <a:solidFill>
+                  <a:schemeClr val="tx1"/>
+                </a:solidFill>
+                <a:latin typeface="+mn-lt"/>
+                <a:ea typeface="+mn-ea"/>
+                <a:cs typeface="+mn-cs"/>
+              </a:defRPr>
+            </a:lvl9pPr>
+          </a:lstStyle>
+          <a:p>
+            <a:pPr marL="0" lvl="0" indent="0" defTabSz="512763">
+              <a:lnSpc>
+                <a:spcPct val="100000"/>
+              </a:lnSpc>
+              <a:spcBef>
+                <a:spcPts val="0"/>
+              </a:spcBef>
+              <a:spcAft>
+                <a:spcPts val="2000"/>
+              </a:spcAft>
+              <a:buNone/>
+            </a:pPr>
+            <a:endParaRPr lang="en-US" dirty="0">
+              <a:solidFill>
+                <a:prstClr val="black">
+                  <a:lumMod val="75000"/>
+                  <a:lumOff val="25000"/>
+                </a:prstClr>
+              </a:solidFill>
+              <a:latin typeface="Segoe UI" panose="020B0502040204020203" pitchFamily="34" charset="0"/>
+              <a:cs typeface="Segoe UI" panose="020B0502040204020203" pitchFamily="34" charset="0"/>
+            </a:endParaRPr>
+          </a:p>
+        </p:txBody>
+      </p:sp>
+      <p:sp>
+        <p:nvSpPr>
+          <p:cNvPr id="25" name="Text Box 16" descr="Select me"/>
+          <p:cNvSpPr txBox="1"/>
+          <p:nvPr/>
+        </p:nvSpPr>
+        <p:spPr>
+          <a:xfrm rot="21077122">
+            <a:off x="4984385" y="1755014"/>
+            <a:ext cx="1334770" cy="435610"/>
+          </a:xfrm>
+          <a:prstGeom prst="rect">
+            <a:avLst/>
+          </a:prstGeom>
+          <a:noFill/>
+          <a:ln>
+            <a:noFill/>
+          </a:ln>
+          <a:effectLst/>
+          <a:extLst>
+            <a:ext uri="{C572A759-6A51-4108-AA02-DFA0A04FC94B}">
+              <ma14:wrappingTextBoxFlag xmlns:ma14="http://schemas.microsoft.com/office/mac/drawingml/2011/main" xmlns=""/>
+            </a:ext>
+          </a:extLst>
+        </p:spPr>
+        <p:txBody>
+          <a:bodyPr rot="0" spcFirstLastPara="0" vert="horz" wrap="none" lIns="91440" tIns="45720" rIns="91440" bIns="45720" numCol="1" spcCol="0" rtlCol="0" fromWordArt="0" anchor="t" anchorCtr="0" forceAA="0" compatLnSpc="1">
+            <a:prstTxWarp prst="textNoShape">
+              <a:avLst/>
+            </a:prstTxWarp>
+            <a:noAutofit/>
+          </a:bodyPr>
+          <a:lstStyle/>
+          <a:p>
+            <a:pPr marL="0" marR="0" algn="ctr">
+              <a:spcBef>
+                <a:spcPts val="0"/>
+              </a:spcBef>
+              <a:spcAft>
+                <a:spcPts val="200"/>
+              </a:spcAft>
+              <a:tabLst>
+                <a:tab pos="4931410" algn="l"/>
+              </a:tabLst>
+            </a:pPr>
+            <a:endParaRPr lang="en-US" sz="1200" b="1" kern="1400" dirty="0">
+              <a:solidFill>
+                <a:srgbClr val="D24726"/>
+              </a:solidFill>
+              <a:effectLst/>
+              <a:latin typeface="Segoe UI Light" panose="020B0502040204020203" pitchFamily="34" charset="0"/>
+              <a:ea typeface="SimHei" panose="02010609060101010101" pitchFamily="49" charset="-122"/>
+              <a:cs typeface="Times New Roman" panose="02020603050405020304" pitchFamily="18" charset="0"/>
+            </a:endParaRPr>
+          </a:p>
+        </p:txBody>
+      </p:sp>
+      <p:sp>
+        <p:nvSpPr>
+          <p:cNvPr id="22" name="Content Placeholder 17"/>
+          <p:cNvSpPr txBox="1">
+            <a:spLocks/>
+          </p:cNvSpPr>
+          <p:nvPr/>
+        </p:nvSpPr>
+        <p:spPr>
+          <a:xfrm>
+            <a:off x="1066039" y="3353185"/>
+            <a:ext cx="3504072" cy="913994"/>
+          </a:xfrm>
+          <a:prstGeom prst="rect">
+            <a:avLst/>
+          </a:prstGeom>
+        </p:spPr>
+        <p:txBody>
+          <a:bodyPr vert="horz" lIns="91440" tIns="45720" rIns="91440" bIns="45720" rtlCol="0">
+            <a:normAutofit/>
+          </a:bodyPr>
+          <a:lstStyle>
+            <a:lvl1pPr marL="228600" indent="-228600" algn="l" defTabSz="914400" rtl="0" eaLnBrk="1" latinLnBrk="0" hangingPunct="1">
+              <a:lnSpc>
+                <a:spcPts val="1800"/>
+              </a:lnSpc>
+              <a:spcBef>
+                <a:spcPts val="1000"/>
+              </a:spcBef>
+              <a:spcAft>
+                <a:spcPts val="1000"/>
+              </a:spcAft>
+              <a:buFont typeface="Arial" panose="020B0604020202020204" pitchFamily="34" charset="0"/>
+              <a:buChar char="•"/>
+              <a:defRPr lang="en-US" sz="1200" kern="1200" smtClean="0">
+                <a:solidFill>
+                  <a:schemeClr val="tx1">
+                    <a:lumMod val="75000"/>
+                    <a:lumOff val="25000"/>
+                  </a:schemeClr>
+                </a:solidFill>
+                <a:latin typeface="+mn-lt"/>
+                <a:ea typeface="+mn-ea"/>
+                <a:cs typeface="+mn-cs"/>
+              </a:defRPr>
+            </a:lvl1pPr>
+            <a:lvl2pPr marL="685800" indent="-228600" algn="l" defTabSz="914400" rtl="0" eaLnBrk="1" latinLnBrk="0" hangingPunct="1">
+              <a:lnSpc>
+                <a:spcPts val="1800"/>
+              </a:lnSpc>
+              <a:spcBef>
+                <a:spcPts val="1000"/>
+              </a:spcBef>
+              <a:spcAft>
+                <a:spcPts val="1000"/>
+              </a:spcAft>
+              <a:buFont typeface="Arial" panose="020B0604020202020204" pitchFamily="34" charset="0"/>
+              <a:buChar char="•"/>
+              <a:defRPr lang="en-US" sz="1200" kern="1200" smtClean="0">
+                <a:solidFill>
+                  <a:schemeClr val="tx1">
+                    <a:lumMod val="75000"/>
+                    <a:lumOff val="25000"/>
+                  </a:schemeClr>
+                </a:solidFill>
+                <a:latin typeface="+mn-lt"/>
+                <a:ea typeface="+mn-ea"/>
+                <a:cs typeface="+mn-cs"/>
+              </a:defRPr>
+            </a:lvl2pPr>
+            <a:lvl3pPr marL="1143000" indent="-228600" algn="l" defTabSz="914400" rtl="0" eaLnBrk="1" latinLnBrk="0" hangingPunct="1">
+              <a:lnSpc>
+                <a:spcPts val="1800"/>
+              </a:lnSpc>
+              <a:spcBef>
+                <a:spcPts val="1000"/>
+              </a:spcBef>
+              <a:spcAft>
+                <a:spcPts val="1000"/>
+              </a:spcAft>
+              <a:buFont typeface="Arial" panose="020B0604020202020204" pitchFamily="34" charset="0"/>
+              <a:buChar char="•"/>
+              <a:defRPr lang="en-US" sz="1200" kern="1200" smtClean="0">
+                <a:solidFill>
+                  <a:schemeClr val="tx1">
+                    <a:lumMod val="75000"/>
+                    <a:lumOff val="25000"/>
+                  </a:schemeClr>
+                </a:solidFill>
+                <a:latin typeface="+mn-lt"/>
+                <a:ea typeface="+mn-ea"/>
+                <a:cs typeface="+mn-cs"/>
+              </a:defRPr>
+            </a:lvl3pPr>
+            <a:lvl4pPr marL="1600200" indent="-228600" algn="l" defTabSz="914400" rtl="0" eaLnBrk="1" latinLnBrk="0" hangingPunct="1">
+              <a:lnSpc>
+                <a:spcPts val="1800"/>
+              </a:lnSpc>
+              <a:spcBef>
+                <a:spcPts val="1000"/>
+              </a:spcBef>
+              <a:spcAft>
+                <a:spcPts val="1000"/>
+              </a:spcAft>
+              <a:buFont typeface="Arial" panose="020B0604020202020204" pitchFamily="34" charset="0"/>
+              <a:buChar char="•"/>
+              <a:defRPr lang="en-US" sz="1200" kern="1200" smtClean="0">
+                <a:solidFill>
+                  <a:schemeClr val="tx1">
+                    <a:lumMod val="75000"/>
+                    <a:lumOff val="25000"/>
+                  </a:schemeClr>
+                </a:solidFill>
+                <a:latin typeface="+mn-lt"/>
+                <a:ea typeface="+mn-ea"/>
+                <a:cs typeface="+mn-cs"/>
+              </a:defRPr>
+            </a:lvl4pPr>
+            <a:lvl5pPr marL="2057400" indent="-228600" algn="l" defTabSz="914400" rtl="0" eaLnBrk="1" latinLnBrk="0" hangingPunct="1">
+              <a:lnSpc>
+                <a:spcPts val="1800"/>
+              </a:lnSpc>
+              <a:spcBef>
+                <a:spcPts val="1000"/>
+              </a:spcBef>
+              <a:spcAft>
+                <a:spcPts val="1000"/>
+              </a:spcAft>
+              <a:buFont typeface="Arial" panose="020B0604020202020204" pitchFamily="34" charset="0"/>
+              <a:buChar char="•"/>
+              <a:defRPr lang="en-US" sz="1200" kern="1200">
+                <a:solidFill>
+                  <a:schemeClr val="tx1">
+                    <a:lumMod val="75000"/>
+                    <a:lumOff val="25000"/>
+                  </a:schemeClr>
+                </a:solidFill>
+                <a:latin typeface="+mn-lt"/>
+                <a:ea typeface="+mn-ea"/>
+                <a:cs typeface="+mn-cs"/>
+              </a:defRPr>
+            </a:lvl5pPr>
+            <a:lvl6pPr marL="2514600" indent="-228600" algn="l" defTabSz="914400" rtl="0" eaLnBrk="1" latinLnBrk="0" hangingPunct="1">
+              <a:lnSpc>
+                <a:spcPct val="90000"/>
+              </a:lnSpc>
+              <a:spcBef>
+                <a:spcPct val="30000"/>
+              </a:spcBef>
+              <a:buFont typeface="Arial" panose="020B0604020202020204" pitchFamily="34" charset="0"/>
+              <a:buChar char="•"/>
+              <a:defRPr sz="1800" kern="1200">
+                <a:solidFill>
+                  <a:schemeClr val="tx1"/>
+                </a:solidFill>
+                <a:latin typeface="+mn-lt"/>
+                <a:ea typeface="+mn-ea"/>
+                <a:cs typeface="+mn-cs"/>
+              </a:defRPr>
+            </a:lvl6pPr>
+            <a:lvl7pPr marL="2971800" indent="-228600" algn="l" defTabSz="914400" rtl="0" eaLnBrk="1" latinLnBrk="0" hangingPunct="1">
+              <a:lnSpc>
+                <a:spcPct val="90000"/>
+              </a:lnSpc>
+              <a:spcBef>
+                <a:spcPct val="30000"/>
+              </a:spcBef>
+              <a:buFont typeface="Arial" panose="020B0604020202020204" pitchFamily="34" charset="0"/>
+              <a:buChar char="•"/>
+              <a:defRPr sz="1800" kern="1200">
+                <a:solidFill>
+                  <a:schemeClr val="tx1"/>
+                </a:solidFill>
+                <a:latin typeface="+mn-lt"/>
+                <a:ea typeface="+mn-ea"/>
+                <a:cs typeface="+mn-cs"/>
+              </a:defRPr>
+            </a:lvl7pPr>
+            <a:lvl8pPr marL="3429000" indent="-228600" algn="l" defTabSz="914400" rtl="0" eaLnBrk="1" latinLnBrk="0" hangingPunct="1">
+              <a:lnSpc>
+                <a:spcPct val="90000"/>
+              </a:lnSpc>
+              <a:spcBef>
+                <a:spcPct val="30000"/>
+              </a:spcBef>
+              <a:buFont typeface="Arial" panose="020B0604020202020204" pitchFamily="34" charset="0"/>
+              <a:buChar char="•"/>
+              <a:defRPr sz="1800" kern="1200">
+                <a:solidFill>
+                  <a:schemeClr val="tx1"/>
+                </a:solidFill>
+                <a:latin typeface="+mn-lt"/>
+                <a:ea typeface="+mn-ea"/>
+                <a:cs typeface="+mn-cs"/>
+              </a:defRPr>
+            </a:lvl8pPr>
+            <a:lvl9pPr marL="3886200" indent="-228600" algn="l" defTabSz="914400" rtl="0" eaLnBrk="1" latinLnBrk="0" hangingPunct="1">
+              <a:lnSpc>
+                <a:spcPct val="90000"/>
+              </a:lnSpc>
+              <a:spcBef>
+                <a:spcPct val="30000"/>
+              </a:spcBef>
+              <a:buFont typeface="Arial" panose="020B0604020202020204" pitchFamily="34" charset="0"/>
+              <a:buChar char="•"/>
+              <a:defRPr sz="1800" kern="1200">
+                <a:solidFill>
+                  <a:schemeClr val="tx1"/>
+                </a:solidFill>
+                <a:latin typeface="+mn-lt"/>
+                <a:ea typeface="+mn-ea"/>
+                <a:cs typeface="+mn-cs"/>
+              </a:defRPr>
+            </a:lvl9pPr>
+          </a:lstStyle>
+          <a:p>
+            <a:pPr marL="0" indent="0">
+              <a:buNone/>
+            </a:pPr>
+            <a:endParaRPr lang="en-US" dirty="0">
+              <a:solidFill>
+                <a:prstClr val="black">
+                  <a:lumMod val="75000"/>
+                  <a:lumOff val="25000"/>
+                </a:prstClr>
+              </a:solidFill>
+              <a:latin typeface="Segoe UI" panose="020B0502040204020203" pitchFamily="34" charset="0"/>
+              <a:cs typeface="Segoe UI" panose="020B0502040204020203" pitchFamily="34" charset="0"/>
+            </a:endParaRPr>
+          </a:p>
+        </p:txBody>
+      </p:sp>
+      <p:sp>
+        <p:nvSpPr>
+          <p:cNvPr id="34" name="Content Placeholder 17"/>
+          <p:cNvSpPr txBox="1">
+            <a:spLocks/>
+          </p:cNvSpPr>
+          <p:nvPr/>
+        </p:nvSpPr>
+        <p:spPr>
+          <a:xfrm>
+            <a:off x="1064636" y="4303697"/>
+            <a:ext cx="2134038" cy="1446087"/>
+          </a:xfrm>
+          <a:prstGeom prst="rect">
+            <a:avLst/>
+          </a:prstGeom>
+        </p:spPr>
+        <p:txBody>
+          <a:bodyPr vert="horz" lIns="91440" tIns="45720" rIns="91440" bIns="45720" rtlCol="0">
+            <a:normAutofit/>
+          </a:bodyPr>
+          <a:lstStyle>
+            <a:lvl1pPr marL="228600" indent="-228600" algn="l" defTabSz="914400" rtl="0" eaLnBrk="1" latinLnBrk="0" hangingPunct="1">
+              <a:lnSpc>
+                <a:spcPts val="1800"/>
+              </a:lnSpc>
+              <a:spcBef>
+                <a:spcPts val="1000"/>
+              </a:spcBef>
+              <a:spcAft>
+                <a:spcPts val="1000"/>
+              </a:spcAft>
+              <a:buFont typeface="Arial" panose="020B0604020202020204" pitchFamily="34" charset="0"/>
+              <a:buChar char="•"/>
+              <a:defRPr lang="en-US" sz="1200" kern="1200" smtClean="0">
+                <a:solidFill>
+                  <a:schemeClr val="tx1">
+                    <a:lumMod val="75000"/>
+                    <a:lumOff val="25000"/>
+                  </a:schemeClr>
+                </a:solidFill>
+                <a:latin typeface="+mn-lt"/>
+                <a:ea typeface="+mn-ea"/>
+                <a:cs typeface="+mn-cs"/>
+              </a:defRPr>
+            </a:lvl1pPr>
+            <a:lvl2pPr marL="685800" indent="-228600" algn="l" defTabSz="914400" rtl="0" eaLnBrk="1" latinLnBrk="0" hangingPunct="1">
+              <a:lnSpc>
+                <a:spcPts val="1800"/>
+              </a:lnSpc>
+              <a:spcBef>
+                <a:spcPts val="1000"/>
+              </a:spcBef>
+              <a:spcAft>
+                <a:spcPts val="1000"/>
+              </a:spcAft>
+              <a:buFont typeface="Arial" panose="020B0604020202020204" pitchFamily="34" charset="0"/>
+              <a:buChar char="•"/>
+              <a:defRPr lang="en-US" sz="1200" kern="1200" smtClean="0">
+                <a:solidFill>
+                  <a:schemeClr val="tx1">
+                    <a:lumMod val="75000"/>
+                    <a:lumOff val="25000"/>
+                  </a:schemeClr>
+                </a:solidFill>
+                <a:latin typeface="+mn-lt"/>
+                <a:ea typeface="+mn-ea"/>
+                <a:cs typeface="+mn-cs"/>
+              </a:defRPr>
+            </a:lvl2pPr>
+            <a:lvl3pPr marL="1143000" indent="-228600" algn="l" defTabSz="914400" rtl="0" eaLnBrk="1" latinLnBrk="0" hangingPunct="1">
+              <a:lnSpc>
+                <a:spcPts val="1800"/>
+              </a:lnSpc>
+              <a:spcBef>
+                <a:spcPts val="1000"/>
+              </a:spcBef>
+              <a:spcAft>
+                <a:spcPts val="1000"/>
+              </a:spcAft>
+              <a:buFont typeface="Arial" panose="020B0604020202020204" pitchFamily="34" charset="0"/>
+              <a:buChar char="•"/>
+              <a:defRPr lang="en-US" sz="1200" kern="1200" smtClean="0">
+                <a:solidFill>
+                  <a:schemeClr val="tx1">
+                    <a:lumMod val="75000"/>
+                    <a:lumOff val="25000"/>
+                  </a:schemeClr>
+                </a:solidFill>
+                <a:latin typeface="+mn-lt"/>
+                <a:ea typeface="+mn-ea"/>
+                <a:cs typeface="+mn-cs"/>
+              </a:defRPr>
+            </a:lvl3pPr>
+            <a:lvl4pPr marL="1600200" indent="-228600" algn="l" defTabSz="914400" rtl="0" eaLnBrk="1" latinLnBrk="0" hangingPunct="1">
+              <a:lnSpc>
+                <a:spcPts val="1800"/>
+              </a:lnSpc>
+              <a:spcBef>
+                <a:spcPts val="1000"/>
+              </a:spcBef>
+              <a:spcAft>
+                <a:spcPts val="1000"/>
+              </a:spcAft>
+              <a:buFont typeface="Arial" panose="020B0604020202020204" pitchFamily="34" charset="0"/>
+              <a:buChar char="•"/>
+              <a:defRPr lang="en-US" sz="1200" kern="1200" smtClean="0">
+                <a:solidFill>
+                  <a:schemeClr val="tx1">
+                    <a:lumMod val="75000"/>
+                    <a:lumOff val="25000"/>
+                  </a:schemeClr>
+                </a:solidFill>
+                <a:latin typeface="+mn-lt"/>
+                <a:ea typeface="+mn-ea"/>
+                <a:cs typeface="+mn-cs"/>
+              </a:defRPr>
+            </a:lvl4pPr>
+            <a:lvl5pPr marL="2057400" indent="-228600" algn="l" defTabSz="914400" rtl="0" eaLnBrk="1" latinLnBrk="0" hangingPunct="1">
+              <a:lnSpc>
+                <a:spcPts val="1800"/>
+              </a:lnSpc>
+              <a:spcBef>
+                <a:spcPts val="1000"/>
+              </a:spcBef>
+              <a:spcAft>
+                <a:spcPts val="1000"/>
+              </a:spcAft>
+              <a:buFont typeface="Arial" panose="020B0604020202020204" pitchFamily="34" charset="0"/>
+              <a:buChar char="•"/>
+              <a:defRPr lang="en-US" sz="1200" kern="1200">
+                <a:solidFill>
+                  <a:schemeClr val="tx1">
+                    <a:lumMod val="75000"/>
+                    <a:lumOff val="25000"/>
+                  </a:schemeClr>
+                </a:solidFill>
+                <a:latin typeface="+mn-lt"/>
+                <a:ea typeface="+mn-ea"/>
+                <a:cs typeface="+mn-cs"/>
+              </a:defRPr>
+            </a:lvl5pPr>
+            <a:lvl6pPr marL="2514600" indent="-228600" algn="l" defTabSz="914400" rtl="0" eaLnBrk="1" latinLnBrk="0" hangingPunct="1">
+              <a:lnSpc>
+                <a:spcPct val="90000"/>
+              </a:lnSpc>
+              <a:spcBef>
+                <a:spcPct val="30000"/>
+              </a:spcBef>
+              <a:buFont typeface="Arial" panose="020B0604020202020204" pitchFamily="34" charset="0"/>
+              <a:buChar char="•"/>
+              <a:defRPr sz="1800" kern="1200">
+                <a:solidFill>
+                  <a:schemeClr val="tx1"/>
+                </a:solidFill>
+                <a:latin typeface="+mn-lt"/>
+                <a:ea typeface="+mn-ea"/>
+                <a:cs typeface="+mn-cs"/>
+              </a:defRPr>
+            </a:lvl6pPr>
+            <a:lvl7pPr marL="2971800" indent="-228600" algn="l" defTabSz="914400" rtl="0" eaLnBrk="1" latinLnBrk="0" hangingPunct="1">
+              <a:lnSpc>
+                <a:spcPct val="90000"/>
+              </a:lnSpc>
+              <a:spcBef>
+                <a:spcPct val="30000"/>
+              </a:spcBef>
+              <a:buFont typeface="Arial" panose="020B0604020202020204" pitchFamily="34" charset="0"/>
+              <a:buChar char="•"/>
+              <a:defRPr sz="1800" kern="1200">
+                <a:solidFill>
+                  <a:schemeClr val="tx1"/>
+                </a:solidFill>
+                <a:latin typeface="+mn-lt"/>
+                <a:ea typeface="+mn-ea"/>
+                <a:cs typeface="+mn-cs"/>
+              </a:defRPr>
+            </a:lvl7pPr>
+            <a:lvl8pPr marL="3429000" indent="-228600" algn="l" defTabSz="914400" rtl="0" eaLnBrk="1" latinLnBrk="0" hangingPunct="1">
+              <a:lnSpc>
+                <a:spcPct val="90000"/>
+              </a:lnSpc>
+              <a:spcBef>
+                <a:spcPct val="30000"/>
+              </a:spcBef>
+              <a:buFont typeface="Arial" panose="020B0604020202020204" pitchFamily="34" charset="0"/>
+              <a:buChar char="•"/>
+              <a:defRPr sz="1800" kern="1200">
+                <a:solidFill>
+                  <a:schemeClr val="tx1"/>
+                </a:solidFill>
+                <a:latin typeface="+mn-lt"/>
+                <a:ea typeface="+mn-ea"/>
+                <a:cs typeface="+mn-cs"/>
+              </a:defRPr>
+            </a:lvl8pPr>
+            <a:lvl9pPr marL="3886200" indent="-228600" algn="l" defTabSz="914400" rtl="0" eaLnBrk="1" latinLnBrk="0" hangingPunct="1">
+              <a:lnSpc>
+                <a:spcPct val="90000"/>
+              </a:lnSpc>
+              <a:spcBef>
+                <a:spcPct val="30000"/>
+              </a:spcBef>
+              <a:buFont typeface="Arial" panose="020B0604020202020204" pitchFamily="34" charset="0"/>
+              <a:buChar char="•"/>
+              <a:defRPr sz="1800" kern="1200">
+                <a:solidFill>
+                  <a:schemeClr val="tx1"/>
+                </a:solidFill>
+                <a:latin typeface="+mn-lt"/>
+                <a:ea typeface="+mn-ea"/>
+                <a:cs typeface="+mn-cs"/>
+              </a:defRPr>
+            </a:lvl9pPr>
+          </a:lstStyle>
+          <a:p>
+            <a:pPr marL="0" indent="0" defTabSz="512763">
+              <a:spcAft>
+                <a:spcPts val="2000"/>
+              </a:spcAft>
+              <a:buNone/>
+            </a:pPr>
+            <a:endParaRPr lang="en-US" dirty="0">
+              <a:solidFill>
+                <a:prstClr val="black">
+                  <a:lumMod val="75000"/>
+                  <a:lumOff val="25000"/>
+                </a:prstClr>
+              </a:solidFill>
+              <a:latin typeface="Segoe UI" panose="020B0502040204020203" pitchFamily="34" charset="0"/>
+              <a:cs typeface="Segoe UI" panose="020B0502040204020203" pitchFamily="34" charset="0"/>
+            </a:endParaRPr>
+          </a:p>
+        </p:txBody>
+      </p:sp>
+    </p:spTree>
+    <p:extLst>
+      <p:ext uri="{BB962C8B-B14F-4D97-AF65-F5344CB8AC3E}">
+        <p14:creationId xmlns:p14="http://schemas.microsoft.com/office/powerpoint/2010/main" val="727668169"/>
       </p:ext>
     </p:extLst>
   </p:cSld>
@@ -7225,7 +7964,13 @@
       </p:grpSpPr>
       <p:sp>
         <p:nvSpPr>
-          <p:cNvPr id="6" name="Title 5"/>
+          <p:cNvPr id="2" name="Title 1">
+            <a:extLst>
+              <a:ext uri="{FF2B5EF4-FFF2-40B4-BE49-F238E27FC236}">
+                <a16:creationId xmlns:a16="http://schemas.microsoft.com/office/drawing/2014/main" id="{204043B4-97F6-4E8A-89FB-043920956251}"/>
+              </a:ext>
+            </a:extLst>
+          </p:cNvPr>
           <p:cNvSpPr>
             <a:spLocks noGrp="1"/>
           </p:cNvSpPr>
@@ -7238,1025 +7983,50 @@
           <a:bodyPr/>
           <a:lstStyle/>
           <a:p>
-            <a:endParaRPr lang="en-US" dirty="0">
-              <a:latin typeface="Segoe UI Light" panose="020B0502040204020203" pitchFamily="34" charset="0"/>
-              <a:cs typeface="Segoe UI Light" panose="020B0502040204020203" pitchFamily="34" charset="0"/>
-            </a:endParaRPr>
+            <a:endParaRPr lang="en-US" dirty="0"/>
           </a:p>
         </p:txBody>
       </p:sp>
       <p:sp>
         <p:nvSpPr>
-          <p:cNvPr id="38" name="Content Placeholder 17"/>
-          <p:cNvSpPr txBox="1">
-            <a:spLocks/>
+          <p:cNvPr id="3" name="Content Placeholder 2">
+            <a:extLst>
+              <a:ext uri="{FF2B5EF4-FFF2-40B4-BE49-F238E27FC236}">
+                <a16:creationId xmlns:a16="http://schemas.microsoft.com/office/drawing/2014/main" id="{253D63FC-C31E-43B2-82DE-EB65569802E8}"/>
+              </a:ext>
+            </a:extLst>
+          </p:cNvPr>
+          <p:cNvSpPr>
+            <a:spLocks noGrp="1"/>
           </p:cNvSpPr>
-          <p:nvPr/>
+          <p:nvPr>
+            <p:ph sz="quarter" idx="10"/>
+          </p:nvPr>
         </p:nvSpPr>
         <p:spPr>
           <a:xfrm>
-            <a:off x="541609" y="1296100"/>
-            <a:ext cx="5110161" cy="1236475"/>
+            <a:off x="539495" y="1435607"/>
+            <a:ext cx="10505493" cy="5037381"/>
           </a:xfrm>
-          <a:prstGeom prst="rect">
-            <a:avLst/>
-          </a:prstGeom>
         </p:spPr>
         <p:txBody>
-          <a:bodyPr vert="horz" lIns="91440" tIns="45720" rIns="91440" bIns="45720" rtlCol="0">
-            <a:normAutofit/>
-          </a:bodyPr>
-          <a:lstStyle>
-            <a:lvl1pPr marL="228600" indent="-228600" algn="l" defTabSz="914400" rtl="0" eaLnBrk="1" latinLnBrk="0" hangingPunct="1">
-              <a:lnSpc>
-                <a:spcPts val="1800"/>
-              </a:lnSpc>
-              <a:spcBef>
-                <a:spcPts val="1000"/>
-              </a:spcBef>
-              <a:spcAft>
-                <a:spcPts val="1000"/>
-              </a:spcAft>
-              <a:buFont typeface="Arial" panose="020B0604020202020204" pitchFamily="34" charset="0"/>
-              <a:buChar char="•"/>
-              <a:defRPr lang="en-US" sz="1200" kern="1200" smtClean="0">
-                <a:solidFill>
-                  <a:schemeClr val="tx1">
-                    <a:lumMod val="75000"/>
-                    <a:lumOff val="25000"/>
-                  </a:schemeClr>
-                </a:solidFill>
-                <a:latin typeface="+mn-lt"/>
-                <a:ea typeface="+mn-ea"/>
-                <a:cs typeface="+mn-cs"/>
-              </a:defRPr>
-            </a:lvl1pPr>
-            <a:lvl2pPr marL="685800" indent="-228600" algn="l" defTabSz="914400" rtl="0" eaLnBrk="1" latinLnBrk="0" hangingPunct="1">
-              <a:lnSpc>
-                <a:spcPts val="1800"/>
-              </a:lnSpc>
-              <a:spcBef>
-                <a:spcPts val="1000"/>
-              </a:spcBef>
-              <a:spcAft>
-                <a:spcPts val="1000"/>
-              </a:spcAft>
-              <a:buFont typeface="Arial" panose="020B0604020202020204" pitchFamily="34" charset="0"/>
-              <a:buChar char="•"/>
-              <a:defRPr lang="en-US" sz="1200" kern="1200" smtClean="0">
-                <a:solidFill>
-                  <a:schemeClr val="tx1">
-                    <a:lumMod val="75000"/>
-                    <a:lumOff val="25000"/>
-                  </a:schemeClr>
-                </a:solidFill>
-                <a:latin typeface="+mn-lt"/>
-                <a:ea typeface="+mn-ea"/>
-                <a:cs typeface="+mn-cs"/>
-              </a:defRPr>
-            </a:lvl2pPr>
-            <a:lvl3pPr marL="1143000" indent="-228600" algn="l" defTabSz="914400" rtl="0" eaLnBrk="1" latinLnBrk="0" hangingPunct="1">
-              <a:lnSpc>
-                <a:spcPts val="1800"/>
-              </a:lnSpc>
-              <a:spcBef>
-                <a:spcPts val="1000"/>
-              </a:spcBef>
-              <a:spcAft>
-                <a:spcPts val="1000"/>
-              </a:spcAft>
-              <a:buFont typeface="Arial" panose="020B0604020202020204" pitchFamily="34" charset="0"/>
-              <a:buChar char="•"/>
-              <a:defRPr lang="en-US" sz="1200" kern="1200" smtClean="0">
-                <a:solidFill>
-                  <a:schemeClr val="tx1">
-                    <a:lumMod val="75000"/>
-                    <a:lumOff val="25000"/>
-                  </a:schemeClr>
-                </a:solidFill>
-                <a:latin typeface="+mn-lt"/>
-                <a:ea typeface="+mn-ea"/>
-                <a:cs typeface="+mn-cs"/>
-              </a:defRPr>
-            </a:lvl3pPr>
-            <a:lvl4pPr marL="1600200" indent="-228600" algn="l" defTabSz="914400" rtl="0" eaLnBrk="1" latinLnBrk="0" hangingPunct="1">
-              <a:lnSpc>
-                <a:spcPts val="1800"/>
-              </a:lnSpc>
-              <a:spcBef>
-                <a:spcPts val="1000"/>
-              </a:spcBef>
-              <a:spcAft>
-                <a:spcPts val="1000"/>
-              </a:spcAft>
-              <a:buFont typeface="Arial" panose="020B0604020202020204" pitchFamily="34" charset="0"/>
-              <a:buChar char="•"/>
-              <a:defRPr lang="en-US" sz="1200" kern="1200" smtClean="0">
-                <a:solidFill>
-                  <a:schemeClr val="tx1">
-                    <a:lumMod val="75000"/>
-                    <a:lumOff val="25000"/>
-                  </a:schemeClr>
-                </a:solidFill>
-                <a:latin typeface="+mn-lt"/>
-                <a:ea typeface="+mn-ea"/>
-                <a:cs typeface="+mn-cs"/>
-              </a:defRPr>
-            </a:lvl4pPr>
-            <a:lvl5pPr marL="2057400" indent="-228600" algn="l" defTabSz="914400" rtl="0" eaLnBrk="1" latinLnBrk="0" hangingPunct="1">
-              <a:lnSpc>
-                <a:spcPts val="1800"/>
-              </a:lnSpc>
-              <a:spcBef>
-                <a:spcPts val="1000"/>
-              </a:spcBef>
-              <a:spcAft>
-                <a:spcPts val="1000"/>
-              </a:spcAft>
-              <a:buFont typeface="Arial" panose="020B0604020202020204" pitchFamily="34" charset="0"/>
-              <a:buChar char="•"/>
-              <a:defRPr lang="en-US" sz="1200" kern="1200">
-                <a:solidFill>
-                  <a:schemeClr val="tx1">
-                    <a:lumMod val="75000"/>
-                    <a:lumOff val="25000"/>
-                  </a:schemeClr>
-                </a:solidFill>
-                <a:latin typeface="+mn-lt"/>
-                <a:ea typeface="+mn-ea"/>
-                <a:cs typeface="+mn-cs"/>
-              </a:defRPr>
-            </a:lvl5pPr>
-            <a:lvl6pPr marL="2514600" indent="-228600" algn="l" defTabSz="914400" rtl="0" eaLnBrk="1" latinLnBrk="0" hangingPunct="1">
-              <a:lnSpc>
-                <a:spcPct val="90000"/>
-              </a:lnSpc>
-              <a:spcBef>
-                <a:spcPct val="30000"/>
-              </a:spcBef>
-              <a:buFont typeface="Arial" panose="020B0604020202020204" pitchFamily="34" charset="0"/>
-              <a:buChar char="•"/>
-              <a:defRPr sz="1800" kern="1200">
-                <a:solidFill>
-                  <a:schemeClr val="tx1"/>
-                </a:solidFill>
-                <a:latin typeface="+mn-lt"/>
-                <a:ea typeface="+mn-ea"/>
-                <a:cs typeface="+mn-cs"/>
-              </a:defRPr>
-            </a:lvl6pPr>
-            <a:lvl7pPr marL="2971800" indent="-228600" algn="l" defTabSz="914400" rtl="0" eaLnBrk="1" latinLnBrk="0" hangingPunct="1">
-              <a:lnSpc>
-                <a:spcPct val="90000"/>
-              </a:lnSpc>
-              <a:spcBef>
-                <a:spcPct val="30000"/>
-              </a:spcBef>
-              <a:buFont typeface="Arial" panose="020B0604020202020204" pitchFamily="34" charset="0"/>
-              <a:buChar char="•"/>
-              <a:defRPr sz="1800" kern="1200">
-                <a:solidFill>
-                  <a:schemeClr val="tx1"/>
-                </a:solidFill>
-                <a:latin typeface="+mn-lt"/>
-                <a:ea typeface="+mn-ea"/>
-                <a:cs typeface="+mn-cs"/>
-              </a:defRPr>
-            </a:lvl7pPr>
-            <a:lvl8pPr marL="3429000" indent="-228600" algn="l" defTabSz="914400" rtl="0" eaLnBrk="1" latinLnBrk="0" hangingPunct="1">
-              <a:lnSpc>
-                <a:spcPct val="90000"/>
-              </a:lnSpc>
-              <a:spcBef>
-                <a:spcPct val="30000"/>
-              </a:spcBef>
-              <a:buFont typeface="Arial" panose="020B0604020202020204" pitchFamily="34" charset="0"/>
-              <a:buChar char="•"/>
-              <a:defRPr sz="1800" kern="1200">
-                <a:solidFill>
-                  <a:schemeClr val="tx1"/>
-                </a:solidFill>
-                <a:latin typeface="+mn-lt"/>
-                <a:ea typeface="+mn-ea"/>
-                <a:cs typeface="+mn-cs"/>
-              </a:defRPr>
-            </a:lvl8pPr>
-            <a:lvl9pPr marL="3886200" indent="-228600" algn="l" defTabSz="914400" rtl="0" eaLnBrk="1" latinLnBrk="0" hangingPunct="1">
-              <a:lnSpc>
-                <a:spcPct val="90000"/>
-              </a:lnSpc>
-              <a:spcBef>
-                <a:spcPct val="30000"/>
-              </a:spcBef>
-              <a:buFont typeface="Arial" panose="020B0604020202020204" pitchFamily="34" charset="0"/>
-              <a:buChar char="•"/>
-              <a:defRPr sz="1800" kern="1200">
-                <a:solidFill>
-                  <a:schemeClr val="tx1"/>
-                </a:solidFill>
-                <a:latin typeface="+mn-lt"/>
-                <a:ea typeface="+mn-ea"/>
-                <a:cs typeface="+mn-cs"/>
-              </a:defRPr>
-            </a:lvl9pPr>
-          </a:lstStyle>
-          <a:p>
-            <a:pPr marL="0" indent="0">
-              <a:spcAft>
-                <a:spcPts val="2000"/>
-              </a:spcAft>
-              <a:buNone/>
-            </a:pPr>
-            <a:endParaRPr lang="en-US" dirty="0">
-              <a:latin typeface="Segoe UI" panose="020B0502040204020203" pitchFamily="34" charset="0"/>
-              <a:cs typeface="Segoe UI" panose="020B0502040204020203" pitchFamily="34" charset="0"/>
-            </a:endParaRPr>
-          </a:p>
-        </p:txBody>
-      </p:sp>
-      <p:sp>
-        <p:nvSpPr>
-          <p:cNvPr id="29" name="Content Placeholder 17"/>
-          <p:cNvSpPr txBox="1">
-            <a:spLocks/>
-          </p:cNvSpPr>
-          <p:nvPr/>
-        </p:nvSpPr>
-        <p:spPr>
-          <a:xfrm>
-            <a:off x="1066039" y="2678694"/>
-            <a:ext cx="3121671" cy="467647"/>
-          </a:xfrm>
-          <a:prstGeom prst="rect">
-            <a:avLst/>
-          </a:prstGeom>
-        </p:spPr>
-        <p:txBody>
-          <a:bodyPr vert="horz" lIns="91440" tIns="45720" rIns="91440" bIns="45720" rtlCol="0">
-            <a:normAutofit/>
-          </a:bodyPr>
-          <a:lstStyle>
-            <a:lvl1pPr marL="228600" indent="-228600" algn="l" defTabSz="914400" rtl="0" eaLnBrk="1" latinLnBrk="0" hangingPunct="1">
-              <a:lnSpc>
-                <a:spcPts val="1800"/>
-              </a:lnSpc>
-              <a:spcBef>
-                <a:spcPts val="1000"/>
-              </a:spcBef>
-              <a:spcAft>
-                <a:spcPts val="1000"/>
-              </a:spcAft>
-              <a:buFont typeface="Arial" panose="020B0604020202020204" pitchFamily="34" charset="0"/>
-              <a:buChar char="•"/>
-              <a:defRPr lang="en-US" sz="1200" kern="1200" smtClean="0">
-                <a:solidFill>
-                  <a:schemeClr val="tx1">
-                    <a:lumMod val="75000"/>
-                    <a:lumOff val="25000"/>
-                  </a:schemeClr>
-                </a:solidFill>
-                <a:latin typeface="+mn-lt"/>
-                <a:ea typeface="+mn-ea"/>
-                <a:cs typeface="+mn-cs"/>
-              </a:defRPr>
-            </a:lvl1pPr>
-            <a:lvl2pPr marL="685800" indent="-228600" algn="l" defTabSz="914400" rtl="0" eaLnBrk="1" latinLnBrk="0" hangingPunct="1">
-              <a:lnSpc>
-                <a:spcPts val="1800"/>
-              </a:lnSpc>
-              <a:spcBef>
-                <a:spcPts val="1000"/>
-              </a:spcBef>
-              <a:spcAft>
-                <a:spcPts val="1000"/>
-              </a:spcAft>
-              <a:buFont typeface="Arial" panose="020B0604020202020204" pitchFamily="34" charset="0"/>
-              <a:buChar char="•"/>
-              <a:defRPr lang="en-US" sz="1200" kern="1200" smtClean="0">
-                <a:solidFill>
-                  <a:schemeClr val="tx1">
-                    <a:lumMod val="75000"/>
-                    <a:lumOff val="25000"/>
-                  </a:schemeClr>
-                </a:solidFill>
-                <a:latin typeface="+mn-lt"/>
-                <a:ea typeface="+mn-ea"/>
-                <a:cs typeface="+mn-cs"/>
-              </a:defRPr>
-            </a:lvl2pPr>
-            <a:lvl3pPr marL="1143000" indent="-228600" algn="l" defTabSz="914400" rtl="0" eaLnBrk="1" latinLnBrk="0" hangingPunct="1">
-              <a:lnSpc>
-                <a:spcPts val="1800"/>
-              </a:lnSpc>
-              <a:spcBef>
-                <a:spcPts val="1000"/>
-              </a:spcBef>
-              <a:spcAft>
-                <a:spcPts val="1000"/>
-              </a:spcAft>
-              <a:buFont typeface="Arial" panose="020B0604020202020204" pitchFamily="34" charset="0"/>
-              <a:buChar char="•"/>
-              <a:defRPr lang="en-US" sz="1200" kern="1200" smtClean="0">
-                <a:solidFill>
-                  <a:schemeClr val="tx1">
-                    <a:lumMod val="75000"/>
-                    <a:lumOff val="25000"/>
-                  </a:schemeClr>
-                </a:solidFill>
-                <a:latin typeface="+mn-lt"/>
-                <a:ea typeface="+mn-ea"/>
-                <a:cs typeface="+mn-cs"/>
-              </a:defRPr>
-            </a:lvl3pPr>
-            <a:lvl4pPr marL="1600200" indent="-228600" algn="l" defTabSz="914400" rtl="0" eaLnBrk="1" latinLnBrk="0" hangingPunct="1">
-              <a:lnSpc>
-                <a:spcPts val="1800"/>
-              </a:lnSpc>
-              <a:spcBef>
-                <a:spcPts val="1000"/>
-              </a:spcBef>
-              <a:spcAft>
-                <a:spcPts val="1000"/>
-              </a:spcAft>
-              <a:buFont typeface="Arial" panose="020B0604020202020204" pitchFamily="34" charset="0"/>
-              <a:buChar char="•"/>
-              <a:defRPr lang="en-US" sz="1200" kern="1200" smtClean="0">
-                <a:solidFill>
-                  <a:schemeClr val="tx1">
-                    <a:lumMod val="75000"/>
-                    <a:lumOff val="25000"/>
-                  </a:schemeClr>
-                </a:solidFill>
-                <a:latin typeface="+mn-lt"/>
-                <a:ea typeface="+mn-ea"/>
-                <a:cs typeface="+mn-cs"/>
-              </a:defRPr>
-            </a:lvl4pPr>
-            <a:lvl5pPr marL="2057400" indent="-228600" algn="l" defTabSz="914400" rtl="0" eaLnBrk="1" latinLnBrk="0" hangingPunct="1">
-              <a:lnSpc>
-                <a:spcPts val="1800"/>
-              </a:lnSpc>
-              <a:spcBef>
-                <a:spcPts val="1000"/>
-              </a:spcBef>
-              <a:spcAft>
-                <a:spcPts val="1000"/>
-              </a:spcAft>
-              <a:buFont typeface="Arial" panose="020B0604020202020204" pitchFamily="34" charset="0"/>
-              <a:buChar char="•"/>
-              <a:defRPr lang="en-US" sz="1200" kern="1200">
-                <a:solidFill>
-                  <a:schemeClr val="tx1">
-                    <a:lumMod val="75000"/>
-                    <a:lumOff val="25000"/>
-                  </a:schemeClr>
-                </a:solidFill>
-                <a:latin typeface="+mn-lt"/>
-                <a:ea typeface="+mn-ea"/>
-                <a:cs typeface="+mn-cs"/>
-              </a:defRPr>
-            </a:lvl5pPr>
-            <a:lvl6pPr marL="2514600" indent="-228600" algn="l" defTabSz="914400" rtl="0" eaLnBrk="1" latinLnBrk="0" hangingPunct="1">
-              <a:lnSpc>
-                <a:spcPct val="90000"/>
-              </a:lnSpc>
-              <a:spcBef>
-                <a:spcPct val="30000"/>
-              </a:spcBef>
-              <a:buFont typeface="Arial" panose="020B0604020202020204" pitchFamily="34" charset="0"/>
-              <a:buChar char="•"/>
-              <a:defRPr sz="1800" kern="1200">
-                <a:solidFill>
-                  <a:schemeClr val="tx1"/>
-                </a:solidFill>
-                <a:latin typeface="+mn-lt"/>
-                <a:ea typeface="+mn-ea"/>
-                <a:cs typeface="+mn-cs"/>
-              </a:defRPr>
-            </a:lvl6pPr>
-            <a:lvl7pPr marL="2971800" indent="-228600" algn="l" defTabSz="914400" rtl="0" eaLnBrk="1" latinLnBrk="0" hangingPunct="1">
-              <a:lnSpc>
-                <a:spcPct val="90000"/>
-              </a:lnSpc>
-              <a:spcBef>
-                <a:spcPct val="30000"/>
-              </a:spcBef>
-              <a:buFont typeface="Arial" panose="020B0604020202020204" pitchFamily="34" charset="0"/>
-              <a:buChar char="•"/>
-              <a:defRPr sz="1800" kern="1200">
-                <a:solidFill>
-                  <a:schemeClr val="tx1"/>
-                </a:solidFill>
-                <a:latin typeface="+mn-lt"/>
-                <a:ea typeface="+mn-ea"/>
-                <a:cs typeface="+mn-cs"/>
-              </a:defRPr>
-            </a:lvl7pPr>
-            <a:lvl8pPr marL="3429000" indent="-228600" algn="l" defTabSz="914400" rtl="0" eaLnBrk="1" latinLnBrk="0" hangingPunct="1">
-              <a:lnSpc>
-                <a:spcPct val="90000"/>
-              </a:lnSpc>
-              <a:spcBef>
-                <a:spcPct val="30000"/>
-              </a:spcBef>
-              <a:buFont typeface="Arial" panose="020B0604020202020204" pitchFamily="34" charset="0"/>
-              <a:buChar char="•"/>
-              <a:defRPr sz="1800" kern="1200">
-                <a:solidFill>
-                  <a:schemeClr val="tx1"/>
-                </a:solidFill>
-                <a:latin typeface="+mn-lt"/>
-                <a:ea typeface="+mn-ea"/>
-                <a:cs typeface="+mn-cs"/>
-              </a:defRPr>
-            </a:lvl8pPr>
-            <a:lvl9pPr marL="3886200" indent="-228600" algn="l" defTabSz="914400" rtl="0" eaLnBrk="1" latinLnBrk="0" hangingPunct="1">
-              <a:lnSpc>
-                <a:spcPct val="90000"/>
-              </a:lnSpc>
-              <a:spcBef>
-                <a:spcPct val="30000"/>
-              </a:spcBef>
-              <a:buFont typeface="Arial" panose="020B0604020202020204" pitchFamily="34" charset="0"/>
-              <a:buChar char="•"/>
-              <a:defRPr sz="1800" kern="1200">
-                <a:solidFill>
-                  <a:schemeClr val="tx1"/>
-                </a:solidFill>
-                <a:latin typeface="+mn-lt"/>
-                <a:ea typeface="+mn-ea"/>
-                <a:cs typeface="+mn-cs"/>
-              </a:defRPr>
-            </a:lvl9pPr>
-          </a:lstStyle>
-          <a:p>
-            <a:pPr marL="0" lvl="0" indent="0" defTabSz="512763">
-              <a:lnSpc>
-                <a:spcPct val="100000"/>
-              </a:lnSpc>
-              <a:spcBef>
-                <a:spcPts val="0"/>
-              </a:spcBef>
-              <a:spcAft>
-                <a:spcPts val="2000"/>
-              </a:spcAft>
-              <a:buNone/>
-            </a:pPr>
-            <a:endParaRPr lang="en-US" dirty="0">
-              <a:solidFill>
-                <a:prstClr val="black">
-                  <a:lumMod val="75000"/>
-                  <a:lumOff val="25000"/>
-                </a:prstClr>
-              </a:solidFill>
-              <a:latin typeface="Segoe UI" panose="020B0502040204020203" pitchFamily="34" charset="0"/>
-              <a:cs typeface="Segoe UI" panose="020B0502040204020203" pitchFamily="34" charset="0"/>
-            </a:endParaRPr>
-          </a:p>
-        </p:txBody>
-      </p:sp>
-      <p:sp>
-        <p:nvSpPr>
-          <p:cNvPr id="25" name="Text Box 16" descr="Select me"/>
-          <p:cNvSpPr txBox="1"/>
-          <p:nvPr/>
-        </p:nvSpPr>
-        <p:spPr>
-          <a:xfrm rot="21077122">
-            <a:off x="4984385" y="1755014"/>
-            <a:ext cx="1334770" cy="435610"/>
-          </a:xfrm>
-          <a:prstGeom prst="rect">
-            <a:avLst/>
-          </a:prstGeom>
-          <a:noFill/>
-          <a:ln>
-            <a:noFill/>
-          </a:ln>
-          <a:effectLst/>
-          <a:extLst>
-            <a:ext uri="{C572A759-6A51-4108-AA02-DFA0A04FC94B}">
-              <ma14:wrappingTextBoxFlag xmlns:ma14="http://schemas.microsoft.com/office/mac/drawingml/2011/main" xmlns=""/>
-            </a:ext>
-          </a:extLst>
-        </p:spPr>
-        <p:txBody>
-          <a:bodyPr rot="0" spcFirstLastPara="0" vert="horz" wrap="none" lIns="91440" tIns="45720" rIns="91440" bIns="45720" numCol="1" spcCol="0" rtlCol="0" fromWordArt="0" anchor="t" anchorCtr="0" forceAA="0" compatLnSpc="1">
-            <a:prstTxWarp prst="textNoShape">
-              <a:avLst/>
-            </a:prstTxWarp>
-            <a:noAutofit/>
-          </a:bodyPr>
+          <a:bodyPr/>
           <a:lstStyle/>
           <a:p>
-            <a:pPr marL="0" marR="0" algn="ctr">
-              <a:spcBef>
-                <a:spcPts val="0"/>
-              </a:spcBef>
-              <a:spcAft>
-                <a:spcPts val="200"/>
-              </a:spcAft>
-              <a:tabLst>
-                <a:tab pos="4931410" algn="l"/>
-              </a:tabLst>
-            </a:pPr>
-            <a:endParaRPr lang="en-US" sz="1200" b="1" kern="1400" dirty="0">
-              <a:solidFill>
-                <a:srgbClr val="D24726"/>
-              </a:solidFill>
-              <a:effectLst/>
-              <a:latin typeface="Segoe UI Light" panose="020B0502040204020203" pitchFamily="34" charset="0"/>
-              <a:ea typeface="SimHei" panose="02010609060101010101" pitchFamily="49" charset="-122"/>
-              <a:cs typeface="Times New Roman" panose="02020603050405020304" pitchFamily="18" charset="0"/>
-            </a:endParaRPr>
-          </a:p>
-        </p:txBody>
-      </p:sp>
-      <p:sp>
-        <p:nvSpPr>
-          <p:cNvPr id="22" name="Content Placeholder 17"/>
-          <p:cNvSpPr txBox="1">
-            <a:spLocks/>
-          </p:cNvSpPr>
-          <p:nvPr/>
-        </p:nvSpPr>
-        <p:spPr>
-          <a:xfrm>
-            <a:off x="1066039" y="3353185"/>
-            <a:ext cx="3504072" cy="913994"/>
-          </a:xfrm>
-          <a:prstGeom prst="rect">
-            <a:avLst/>
-          </a:prstGeom>
-        </p:spPr>
-        <p:txBody>
-          <a:bodyPr vert="horz" lIns="91440" tIns="45720" rIns="91440" bIns="45720" rtlCol="0">
-            <a:normAutofit/>
-          </a:bodyPr>
-          <a:lstStyle>
-            <a:lvl1pPr marL="228600" indent="-228600" algn="l" defTabSz="914400" rtl="0" eaLnBrk="1" latinLnBrk="0" hangingPunct="1">
-              <a:lnSpc>
-                <a:spcPts val="1800"/>
-              </a:lnSpc>
-              <a:spcBef>
-                <a:spcPts val="1000"/>
-              </a:spcBef>
-              <a:spcAft>
-                <a:spcPts val="1000"/>
-              </a:spcAft>
-              <a:buFont typeface="Arial" panose="020B0604020202020204" pitchFamily="34" charset="0"/>
-              <a:buChar char="•"/>
-              <a:defRPr lang="en-US" sz="1200" kern="1200" smtClean="0">
-                <a:solidFill>
-                  <a:schemeClr val="tx1">
-                    <a:lumMod val="75000"/>
-                    <a:lumOff val="25000"/>
-                  </a:schemeClr>
-                </a:solidFill>
-                <a:latin typeface="+mn-lt"/>
-                <a:ea typeface="+mn-ea"/>
-                <a:cs typeface="+mn-cs"/>
-              </a:defRPr>
-            </a:lvl1pPr>
-            <a:lvl2pPr marL="685800" indent="-228600" algn="l" defTabSz="914400" rtl="0" eaLnBrk="1" latinLnBrk="0" hangingPunct="1">
-              <a:lnSpc>
-                <a:spcPts val="1800"/>
-              </a:lnSpc>
-              <a:spcBef>
-                <a:spcPts val="1000"/>
-              </a:spcBef>
-              <a:spcAft>
-                <a:spcPts val="1000"/>
-              </a:spcAft>
-              <a:buFont typeface="Arial" panose="020B0604020202020204" pitchFamily="34" charset="0"/>
-              <a:buChar char="•"/>
-              <a:defRPr lang="en-US" sz="1200" kern="1200" smtClean="0">
-                <a:solidFill>
-                  <a:schemeClr val="tx1">
-                    <a:lumMod val="75000"/>
-                    <a:lumOff val="25000"/>
-                  </a:schemeClr>
-                </a:solidFill>
-                <a:latin typeface="+mn-lt"/>
-                <a:ea typeface="+mn-ea"/>
-                <a:cs typeface="+mn-cs"/>
-              </a:defRPr>
-            </a:lvl2pPr>
-            <a:lvl3pPr marL="1143000" indent="-228600" algn="l" defTabSz="914400" rtl="0" eaLnBrk="1" latinLnBrk="0" hangingPunct="1">
-              <a:lnSpc>
-                <a:spcPts val="1800"/>
-              </a:lnSpc>
-              <a:spcBef>
-                <a:spcPts val="1000"/>
-              </a:spcBef>
-              <a:spcAft>
-                <a:spcPts val="1000"/>
-              </a:spcAft>
-              <a:buFont typeface="Arial" panose="020B0604020202020204" pitchFamily="34" charset="0"/>
-              <a:buChar char="•"/>
-              <a:defRPr lang="en-US" sz="1200" kern="1200" smtClean="0">
-                <a:solidFill>
-                  <a:schemeClr val="tx1">
-                    <a:lumMod val="75000"/>
-                    <a:lumOff val="25000"/>
-                  </a:schemeClr>
-                </a:solidFill>
-                <a:latin typeface="+mn-lt"/>
-                <a:ea typeface="+mn-ea"/>
-                <a:cs typeface="+mn-cs"/>
-              </a:defRPr>
-            </a:lvl3pPr>
-            <a:lvl4pPr marL="1600200" indent="-228600" algn="l" defTabSz="914400" rtl="0" eaLnBrk="1" latinLnBrk="0" hangingPunct="1">
-              <a:lnSpc>
-                <a:spcPts val="1800"/>
-              </a:lnSpc>
-              <a:spcBef>
-                <a:spcPts val="1000"/>
-              </a:spcBef>
-              <a:spcAft>
-                <a:spcPts val="1000"/>
-              </a:spcAft>
-              <a:buFont typeface="Arial" panose="020B0604020202020204" pitchFamily="34" charset="0"/>
-              <a:buChar char="•"/>
-              <a:defRPr lang="en-US" sz="1200" kern="1200" smtClean="0">
-                <a:solidFill>
-                  <a:schemeClr val="tx1">
-                    <a:lumMod val="75000"/>
-                    <a:lumOff val="25000"/>
-                  </a:schemeClr>
-                </a:solidFill>
-                <a:latin typeface="+mn-lt"/>
-                <a:ea typeface="+mn-ea"/>
-                <a:cs typeface="+mn-cs"/>
-              </a:defRPr>
-            </a:lvl4pPr>
-            <a:lvl5pPr marL="2057400" indent="-228600" algn="l" defTabSz="914400" rtl="0" eaLnBrk="1" latinLnBrk="0" hangingPunct="1">
-              <a:lnSpc>
-                <a:spcPts val="1800"/>
-              </a:lnSpc>
-              <a:spcBef>
-                <a:spcPts val="1000"/>
-              </a:spcBef>
-              <a:spcAft>
-                <a:spcPts val="1000"/>
-              </a:spcAft>
-              <a:buFont typeface="Arial" panose="020B0604020202020204" pitchFamily="34" charset="0"/>
-              <a:buChar char="•"/>
-              <a:defRPr lang="en-US" sz="1200" kern="1200">
-                <a:solidFill>
-                  <a:schemeClr val="tx1">
-                    <a:lumMod val="75000"/>
-                    <a:lumOff val="25000"/>
-                  </a:schemeClr>
-                </a:solidFill>
-                <a:latin typeface="+mn-lt"/>
-                <a:ea typeface="+mn-ea"/>
-                <a:cs typeface="+mn-cs"/>
-              </a:defRPr>
-            </a:lvl5pPr>
-            <a:lvl6pPr marL="2514600" indent="-228600" algn="l" defTabSz="914400" rtl="0" eaLnBrk="1" latinLnBrk="0" hangingPunct="1">
-              <a:lnSpc>
-                <a:spcPct val="90000"/>
-              </a:lnSpc>
-              <a:spcBef>
-                <a:spcPct val="30000"/>
-              </a:spcBef>
-              <a:buFont typeface="Arial" panose="020B0604020202020204" pitchFamily="34" charset="0"/>
-              <a:buChar char="•"/>
-              <a:defRPr sz="1800" kern="1200">
-                <a:solidFill>
-                  <a:schemeClr val="tx1"/>
-                </a:solidFill>
-                <a:latin typeface="+mn-lt"/>
-                <a:ea typeface="+mn-ea"/>
-                <a:cs typeface="+mn-cs"/>
-              </a:defRPr>
-            </a:lvl6pPr>
-            <a:lvl7pPr marL="2971800" indent="-228600" algn="l" defTabSz="914400" rtl="0" eaLnBrk="1" latinLnBrk="0" hangingPunct="1">
-              <a:lnSpc>
-                <a:spcPct val="90000"/>
-              </a:lnSpc>
-              <a:spcBef>
-                <a:spcPct val="30000"/>
-              </a:spcBef>
-              <a:buFont typeface="Arial" panose="020B0604020202020204" pitchFamily="34" charset="0"/>
-              <a:buChar char="•"/>
-              <a:defRPr sz="1800" kern="1200">
-                <a:solidFill>
-                  <a:schemeClr val="tx1"/>
-                </a:solidFill>
-                <a:latin typeface="+mn-lt"/>
-                <a:ea typeface="+mn-ea"/>
-                <a:cs typeface="+mn-cs"/>
-              </a:defRPr>
-            </a:lvl7pPr>
-            <a:lvl8pPr marL="3429000" indent="-228600" algn="l" defTabSz="914400" rtl="0" eaLnBrk="1" latinLnBrk="0" hangingPunct="1">
-              <a:lnSpc>
-                <a:spcPct val="90000"/>
-              </a:lnSpc>
-              <a:spcBef>
-                <a:spcPct val="30000"/>
-              </a:spcBef>
-              <a:buFont typeface="Arial" panose="020B0604020202020204" pitchFamily="34" charset="0"/>
-              <a:buChar char="•"/>
-              <a:defRPr sz="1800" kern="1200">
-                <a:solidFill>
-                  <a:schemeClr val="tx1"/>
-                </a:solidFill>
-                <a:latin typeface="+mn-lt"/>
-                <a:ea typeface="+mn-ea"/>
-                <a:cs typeface="+mn-cs"/>
-              </a:defRPr>
-            </a:lvl8pPr>
-            <a:lvl9pPr marL="3886200" indent="-228600" algn="l" defTabSz="914400" rtl="0" eaLnBrk="1" latinLnBrk="0" hangingPunct="1">
-              <a:lnSpc>
-                <a:spcPct val="90000"/>
-              </a:lnSpc>
-              <a:spcBef>
-                <a:spcPct val="30000"/>
-              </a:spcBef>
-              <a:buFont typeface="Arial" panose="020B0604020202020204" pitchFamily="34" charset="0"/>
-              <a:buChar char="•"/>
-              <a:defRPr sz="1800" kern="1200">
-                <a:solidFill>
-                  <a:schemeClr val="tx1"/>
-                </a:solidFill>
-                <a:latin typeface="+mn-lt"/>
-                <a:ea typeface="+mn-ea"/>
-                <a:cs typeface="+mn-cs"/>
-              </a:defRPr>
-            </a:lvl9pPr>
-          </a:lstStyle>
-          <a:p>
-            <a:pPr marL="0" indent="0">
-              <a:buNone/>
-            </a:pPr>
-            <a:endParaRPr lang="en-US" dirty="0">
-              <a:solidFill>
-                <a:prstClr val="black">
-                  <a:lumMod val="75000"/>
-                  <a:lumOff val="25000"/>
-                </a:prstClr>
-              </a:solidFill>
-              <a:latin typeface="Segoe UI" panose="020B0502040204020203" pitchFamily="34" charset="0"/>
-              <a:cs typeface="Segoe UI" panose="020B0502040204020203" pitchFamily="34" charset="0"/>
-            </a:endParaRPr>
-          </a:p>
-        </p:txBody>
-      </p:sp>
-      <p:sp>
-        <p:nvSpPr>
-          <p:cNvPr id="34" name="Content Placeholder 17"/>
-          <p:cNvSpPr txBox="1">
-            <a:spLocks/>
-          </p:cNvSpPr>
-          <p:nvPr/>
-        </p:nvSpPr>
-        <p:spPr>
-          <a:xfrm>
-            <a:off x="1064636" y="4303697"/>
-            <a:ext cx="2134038" cy="1446087"/>
-          </a:xfrm>
-          <a:prstGeom prst="rect">
-            <a:avLst/>
-          </a:prstGeom>
-        </p:spPr>
-        <p:txBody>
-          <a:bodyPr vert="horz" lIns="91440" tIns="45720" rIns="91440" bIns="45720" rtlCol="0">
-            <a:normAutofit/>
-          </a:bodyPr>
-          <a:lstStyle>
-            <a:lvl1pPr marL="228600" indent="-228600" algn="l" defTabSz="914400" rtl="0" eaLnBrk="1" latinLnBrk="0" hangingPunct="1">
-              <a:lnSpc>
-                <a:spcPts val="1800"/>
-              </a:lnSpc>
-              <a:spcBef>
-                <a:spcPts val="1000"/>
-              </a:spcBef>
-              <a:spcAft>
-                <a:spcPts val="1000"/>
-              </a:spcAft>
-              <a:buFont typeface="Arial" panose="020B0604020202020204" pitchFamily="34" charset="0"/>
-              <a:buChar char="•"/>
-              <a:defRPr lang="en-US" sz="1200" kern="1200" smtClean="0">
-                <a:solidFill>
-                  <a:schemeClr val="tx1">
-                    <a:lumMod val="75000"/>
-                    <a:lumOff val="25000"/>
-                  </a:schemeClr>
-                </a:solidFill>
-                <a:latin typeface="+mn-lt"/>
-                <a:ea typeface="+mn-ea"/>
-                <a:cs typeface="+mn-cs"/>
-              </a:defRPr>
-            </a:lvl1pPr>
-            <a:lvl2pPr marL="685800" indent="-228600" algn="l" defTabSz="914400" rtl="0" eaLnBrk="1" latinLnBrk="0" hangingPunct="1">
-              <a:lnSpc>
-                <a:spcPts val="1800"/>
-              </a:lnSpc>
-              <a:spcBef>
-                <a:spcPts val="1000"/>
-              </a:spcBef>
-              <a:spcAft>
-                <a:spcPts val="1000"/>
-              </a:spcAft>
-              <a:buFont typeface="Arial" panose="020B0604020202020204" pitchFamily="34" charset="0"/>
-              <a:buChar char="•"/>
-              <a:defRPr lang="en-US" sz="1200" kern="1200" smtClean="0">
-                <a:solidFill>
-                  <a:schemeClr val="tx1">
-                    <a:lumMod val="75000"/>
-                    <a:lumOff val="25000"/>
-                  </a:schemeClr>
-                </a:solidFill>
-                <a:latin typeface="+mn-lt"/>
-                <a:ea typeface="+mn-ea"/>
-                <a:cs typeface="+mn-cs"/>
-              </a:defRPr>
-            </a:lvl2pPr>
-            <a:lvl3pPr marL="1143000" indent="-228600" algn="l" defTabSz="914400" rtl="0" eaLnBrk="1" latinLnBrk="0" hangingPunct="1">
-              <a:lnSpc>
-                <a:spcPts val="1800"/>
-              </a:lnSpc>
-              <a:spcBef>
-                <a:spcPts val="1000"/>
-              </a:spcBef>
-              <a:spcAft>
-                <a:spcPts val="1000"/>
-              </a:spcAft>
-              <a:buFont typeface="Arial" panose="020B0604020202020204" pitchFamily="34" charset="0"/>
-              <a:buChar char="•"/>
-              <a:defRPr lang="en-US" sz="1200" kern="1200" smtClean="0">
-                <a:solidFill>
-                  <a:schemeClr val="tx1">
-                    <a:lumMod val="75000"/>
-                    <a:lumOff val="25000"/>
-                  </a:schemeClr>
-                </a:solidFill>
-                <a:latin typeface="+mn-lt"/>
-                <a:ea typeface="+mn-ea"/>
-                <a:cs typeface="+mn-cs"/>
-              </a:defRPr>
-            </a:lvl3pPr>
-            <a:lvl4pPr marL="1600200" indent="-228600" algn="l" defTabSz="914400" rtl="0" eaLnBrk="1" latinLnBrk="0" hangingPunct="1">
-              <a:lnSpc>
-                <a:spcPts val="1800"/>
-              </a:lnSpc>
-              <a:spcBef>
-                <a:spcPts val="1000"/>
-              </a:spcBef>
-              <a:spcAft>
-                <a:spcPts val="1000"/>
-              </a:spcAft>
-              <a:buFont typeface="Arial" panose="020B0604020202020204" pitchFamily="34" charset="0"/>
-              <a:buChar char="•"/>
-              <a:defRPr lang="en-US" sz="1200" kern="1200" smtClean="0">
-                <a:solidFill>
-                  <a:schemeClr val="tx1">
-                    <a:lumMod val="75000"/>
-                    <a:lumOff val="25000"/>
-                  </a:schemeClr>
-                </a:solidFill>
-                <a:latin typeface="+mn-lt"/>
-                <a:ea typeface="+mn-ea"/>
-                <a:cs typeface="+mn-cs"/>
-              </a:defRPr>
-            </a:lvl4pPr>
-            <a:lvl5pPr marL="2057400" indent="-228600" algn="l" defTabSz="914400" rtl="0" eaLnBrk="1" latinLnBrk="0" hangingPunct="1">
-              <a:lnSpc>
-                <a:spcPts val="1800"/>
-              </a:lnSpc>
-              <a:spcBef>
-                <a:spcPts val="1000"/>
-              </a:spcBef>
-              <a:spcAft>
-                <a:spcPts val="1000"/>
-              </a:spcAft>
-              <a:buFont typeface="Arial" panose="020B0604020202020204" pitchFamily="34" charset="0"/>
-              <a:buChar char="•"/>
-              <a:defRPr lang="en-US" sz="1200" kern="1200">
-                <a:solidFill>
-                  <a:schemeClr val="tx1">
-                    <a:lumMod val="75000"/>
-                    <a:lumOff val="25000"/>
-                  </a:schemeClr>
-                </a:solidFill>
-                <a:latin typeface="+mn-lt"/>
-                <a:ea typeface="+mn-ea"/>
-                <a:cs typeface="+mn-cs"/>
-              </a:defRPr>
-            </a:lvl5pPr>
-            <a:lvl6pPr marL="2514600" indent="-228600" algn="l" defTabSz="914400" rtl="0" eaLnBrk="1" latinLnBrk="0" hangingPunct="1">
-              <a:lnSpc>
-                <a:spcPct val="90000"/>
-              </a:lnSpc>
-              <a:spcBef>
-                <a:spcPct val="30000"/>
-              </a:spcBef>
-              <a:buFont typeface="Arial" panose="020B0604020202020204" pitchFamily="34" charset="0"/>
-              <a:buChar char="•"/>
-              <a:defRPr sz="1800" kern="1200">
-                <a:solidFill>
-                  <a:schemeClr val="tx1"/>
-                </a:solidFill>
-                <a:latin typeface="+mn-lt"/>
-                <a:ea typeface="+mn-ea"/>
-                <a:cs typeface="+mn-cs"/>
-              </a:defRPr>
-            </a:lvl6pPr>
-            <a:lvl7pPr marL="2971800" indent="-228600" algn="l" defTabSz="914400" rtl="0" eaLnBrk="1" latinLnBrk="0" hangingPunct="1">
-              <a:lnSpc>
-                <a:spcPct val="90000"/>
-              </a:lnSpc>
-              <a:spcBef>
-                <a:spcPct val="30000"/>
-              </a:spcBef>
-              <a:buFont typeface="Arial" panose="020B0604020202020204" pitchFamily="34" charset="0"/>
-              <a:buChar char="•"/>
-              <a:defRPr sz="1800" kern="1200">
-                <a:solidFill>
-                  <a:schemeClr val="tx1"/>
-                </a:solidFill>
-                <a:latin typeface="+mn-lt"/>
-                <a:ea typeface="+mn-ea"/>
-                <a:cs typeface="+mn-cs"/>
-              </a:defRPr>
-            </a:lvl7pPr>
-            <a:lvl8pPr marL="3429000" indent="-228600" algn="l" defTabSz="914400" rtl="0" eaLnBrk="1" latinLnBrk="0" hangingPunct="1">
-              <a:lnSpc>
-                <a:spcPct val="90000"/>
-              </a:lnSpc>
-              <a:spcBef>
-                <a:spcPct val="30000"/>
-              </a:spcBef>
-              <a:buFont typeface="Arial" panose="020B0604020202020204" pitchFamily="34" charset="0"/>
-              <a:buChar char="•"/>
-              <a:defRPr sz="1800" kern="1200">
-                <a:solidFill>
-                  <a:schemeClr val="tx1"/>
-                </a:solidFill>
-                <a:latin typeface="+mn-lt"/>
-                <a:ea typeface="+mn-ea"/>
-                <a:cs typeface="+mn-cs"/>
-              </a:defRPr>
-            </a:lvl8pPr>
-            <a:lvl9pPr marL="3886200" indent="-228600" algn="l" defTabSz="914400" rtl="0" eaLnBrk="1" latinLnBrk="0" hangingPunct="1">
-              <a:lnSpc>
-                <a:spcPct val="90000"/>
-              </a:lnSpc>
-              <a:spcBef>
-                <a:spcPct val="30000"/>
-              </a:spcBef>
-              <a:buFont typeface="Arial" panose="020B0604020202020204" pitchFamily="34" charset="0"/>
-              <a:buChar char="•"/>
-              <a:defRPr sz="1800" kern="1200">
-                <a:solidFill>
-                  <a:schemeClr val="tx1"/>
-                </a:solidFill>
-                <a:latin typeface="+mn-lt"/>
-                <a:ea typeface="+mn-ea"/>
-                <a:cs typeface="+mn-cs"/>
-              </a:defRPr>
-            </a:lvl9pPr>
-          </a:lstStyle>
-          <a:p>
-            <a:pPr marL="0" indent="0" defTabSz="512763">
-              <a:spcAft>
-                <a:spcPts val="2000"/>
-              </a:spcAft>
-              <a:buNone/>
-            </a:pPr>
-            <a:endParaRPr lang="en-US" dirty="0">
-              <a:solidFill>
-                <a:prstClr val="black">
-                  <a:lumMod val="75000"/>
-                  <a:lumOff val="25000"/>
-                </a:prstClr>
-              </a:solidFill>
-              <a:latin typeface="Segoe UI" panose="020B0502040204020203" pitchFamily="34" charset="0"/>
-              <a:cs typeface="Segoe UI" panose="020B0502040204020203" pitchFamily="34" charset="0"/>
-            </a:endParaRPr>
+            <a:endParaRPr lang="en-US" dirty="0"/>
           </a:p>
         </p:txBody>
       </p:sp>
     </p:spTree>
     <p:extLst>
       <p:ext uri="{BB962C8B-B14F-4D97-AF65-F5344CB8AC3E}">
-        <p14:creationId xmlns:p14="http://schemas.microsoft.com/office/powerpoint/2010/main" val="727668169"/>
+        <p14:creationId xmlns:p14="http://schemas.microsoft.com/office/powerpoint/2010/main" val="3619315152"/>
       </p:ext>
     </p:extLst>
   </p:cSld>
   <p:clrMapOvr>
     <a:masterClrMapping/>
   </p:clrMapOvr>
-  <mc:AlternateContent xmlns:mc="http://schemas.openxmlformats.org/markup-compatibility/2006" xmlns:p14="http://schemas.microsoft.com/office/powerpoint/2010/main">
-    <mc:Choice Requires="p14">
-      <p:transition p14:dur="10"/>
-    </mc:Choice>
-    <mc:Fallback xmlns="">
-      <p:transition/>
-    </mc:Fallback>
-  </mc:AlternateContent>
 </p:sld>
 </file>
 
@@ -8409,8 +8179,8 @@
         </p:nvSpPr>
         <p:spPr>
           <a:xfrm>
-            <a:off x="541611" y="2614427"/>
-            <a:ext cx="9442648" cy="3978275"/>
+            <a:off x="306054" y="2447681"/>
+            <a:ext cx="11565105" cy="4145021"/>
           </a:xfrm>
         </p:spPr>
         <p:txBody>
@@ -8433,125 +8203,128 @@
                 <a:latin typeface="Segoe UI Light" panose="020B0502040204020203" pitchFamily="34" charset="0"/>
                 <a:cs typeface="Segoe UI Light" panose="020B0502040204020203" pitchFamily="34" charset="0"/>
               </a:rPr>
-              <a:t>Select the </a:t>
+              <a:t>            References:</a:t>
+            </a:r>
+          </a:p>
+          <a:p>
+            <a:pPr>
+              <a:lnSpc>
+                <a:spcPts val="2300"/>
+              </a:lnSpc>
+              <a:spcBef>
+                <a:spcPts val="0"/>
+              </a:spcBef>
+              <a:spcAft>
+                <a:spcPts val="0"/>
+              </a:spcAft>
+            </a:pPr>
+            <a:endParaRPr lang="en-US" sz="1000" dirty="0">
+              <a:latin typeface="Arial" panose="020B0604020202020204" pitchFamily="34" charset="0"/>
+              <a:cs typeface="Arial" panose="020B0604020202020204" pitchFamily="34" charset="0"/>
+            </a:endParaRPr>
+          </a:p>
+          <a:p>
+            <a:pPr>
+              <a:lnSpc>
+                <a:spcPts val="2300"/>
+              </a:lnSpc>
+              <a:spcBef>
+                <a:spcPts val="0"/>
+              </a:spcBef>
+              <a:spcAft>
+                <a:spcPts val="0"/>
+              </a:spcAft>
+            </a:pPr>
+            <a:r>
+              <a:rPr lang="en-US" sz="1000" dirty="0">
+                <a:latin typeface="Arial" panose="020B0604020202020204" pitchFamily="34" charset="0"/>
+                <a:cs typeface="Arial" panose="020B0604020202020204" pitchFamily="34" charset="0"/>
+              </a:rPr>
+              <a:t>GitHub repository: https://github.com/rsbtoronto/UofTTeamJTermProject</a:t>
+            </a:r>
+          </a:p>
+          <a:p>
+            <a:pPr>
+              <a:lnSpc>
+                <a:spcPts val="2300"/>
+              </a:lnSpc>
+              <a:spcBef>
+                <a:spcPts val="0"/>
+              </a:spcBef>
+              <a:spcAft>
+                <a:spcPts val="0"/>
+              </a:spcAft>
+            </a:pPr>
+            <a:r>
+              <a:rPr lang="en-US" sz="1000" dirty="0">
+                <a:latin typeface="Arial" panose="020B0604020202020204" pitchFamily="34" charset="0"/>
+                <a:cs typeface="Arial" panose="020B0604020202020204" pitchFamily="34" charset="0"/>
+              </a:rPr>
+              <a:t>WHO data: </a:t>
             </a:r>
             <a:r>
-              <a:rPr lang="en-US" sz="2000" dirty="0">
-                <a:solidFill>
-                  <a:srgbClr val="D24726"/>
-                </a:solidFill>
-                <a:latin typeface="Segoe UI Semibold" panose="020B0702040204020203" pitchFamily="34" charset="0"/>
-                <a:cs typeface="Segoe UI Semibold" panose="020B0702040204020203" pitchFamily="34" charset="0"/>
+              <a:rPr lang="en-US" sz="1000" u="sng" dirty="0">
+                <a:latin typeface="Arial" panose="020B0604020202020204" pitchFamily="34" charset="0"/>
+                <a:cs typeface="Arial" panose="020B0604020202020204" pitchFamily="34" charset="0"/>
+                <a:hlinkClick r:id="rId3"/>
               </a:rPr>
-              <a:t>Tell Me                   </a:t>
+              <a:t>http://apps.who.int/healthinfo/statistics/mortality/whodpms/</a:t>
+            </a:r>
+            <a:endParaRPr lang="en-US" sz="1000" dirty="0">
+              <a:latin typeface="Arial" panose="020B0604020202020204" pitchFamily="34" charset="0"/>
+              <a:cs typeface="Arial" panose="020B0604020202020204" pitchFamily="34" charset="0"/>
+            </a:endParaRPr>
+          </a:p>
+          <a:p>
+            <a:pPr>
+              <a:lnSpc>
+                <a:spcPts val="2300"/>
+              </a:lnSpc>
+              <a:spcBef>
+                <a:spcPts val="0"/>
+              </a:spcBef>
+              <a:spcAft>
+                <a:spcPts val="0"/>
+              </a:spcAft>
+            </a:pPr>
+            <a:r>
+              <a:rPr lang="en-US" sz="1000" dirty="0">
+                <a:latin typeface="Arial" panose="020B0604020202020204" pitchFamily="34" charset="0"/>
+                <a:cs typeface="Arial" panose="020B0604020202020204" pitchFamily="34" charset="0"/>
+              </a:rPr>
+              <a:t>Wikipedia : GDP/Income Level</a:t>
             </a:r>
             <a:r>
-              <a:rPr lang="en-US" sz="2000" dirty="0">
-                <a:latin typeface="Segoe UI Light" panose="020B0502040204020203" pitchFamily="34" charset="0"/>
-                <a:cs typeface="Segoe UI Light" panose="020B0502040204020203" pitchFamily="34" charset="0"/>
+              <a:rPr lang="en-US" sz="1000">
+                <a:latin typeface="Arial" panose="020B0604020202020204" pitchFamily="34" charset="0"/>
+                <a:cs typeface="Arial" panose="020B0604020202020204" pitchFamily="34" charset="0"/>
               </a:rPr>
-              <a:t>button and type what you want to know.</a:t>
+              <a:t>/ Population count</a:t>
             </a:r>
-            <a:br>
-              <a:rPr lang="en-US" sz="2000" dirty="0">
-                <a:latin typeface="Segoe UI Light" panose="020B0502040204020203" pitchFamily="34" charset="0"/>
-                <a:cs typeface="Segoe UI Light" panose="020B0502040204020203" pitchFamily="34" charset="0"/>
-              </a:rPr>
-            </a:br>
-            <a:endParaRPr lang="en-US" sz="2000" dirty="0">
-              <a:latin typeface="Segoe UI Light" panose="020B0502040204020203" pitchFamily="34" charset="0"/>
-              <a:cs typeface="Segoe UI Light" panose="020B0502040204020203" pitchFamily="34" charset="0"/>
+            <a:endParaRPr lang="en-US" sz="1000" dirty="0">
+              <a:latin typeface="Arial" panose="020B0604020202020204" pitchFamily="34" charset="0"/>
+              <a:cs typeface="Arial" panose="020B0604020202020204" pitchFamily="34" charset="0"/>
             </a:endParaRPr>
           </a:p>
           <a:p>
-            <a:pPr marL="0" indent="0">
-              <a:lnSpc>
-                <a:spcPts val="3600"/>
-              </a:lnSpc>
-              <a:spcAft>
+            <a:pPr>
+              <a:lnSpc>
+                <a:spcPts val="2300"/>
+              </a:lnSpc>
+              <a:spcBef>
                 <a:spcPts val="0"/>
-              </a:spcAft>
-              <a:buNone/>
+              </a:spcBef>
+              <a:spcAft>
+                <a:spcPts val="0"/>
+              </a:spcAft>
             </a:pPr>
             <a:r>
-              <a:rPr lang="en-US" sz="2000" u="sng" dirty="0">
-                <a:latin typeface="Segoe UI Light" panose="020B0502040204020203" pitchFamily="34" charset="0"/>
-                <a:cs typeface="Segoe UI Light" panose="020B0502040204020203" pitchFamily="34" charset="0"/>
-                <a:hlinkClick r:id="rId3" tooltip="Visit the PowerPoint team blog"/>
+              <a:rPr lang="en-US" sz="1000" dirty="0">
+                <a:latin typeface="Arial" panose="020B0604020202020204" pitchFamily="34" charset="0"/>
+                <a:cs typeface="Arial" panose="020B0604020202020204" pitchFamily="34" charset="0"/>
               </a:rPr>
-              <a:t>Visit the PowerPoint team blog</a:t>
+              <a:t>Google</a:t>
             </a:r>
-            <a:endParaRPr lang="en-US" sz="2000" dirty="0">
-              <a:latin typeface="Segoe UI Light" panose="020B0502040204020203" pitchFamily="34" charset="0"/>
-              <a:cs typeface="Segoe UI Light" panose="020B0502040204020203" pitchFamily="34" charset="0"/>
-            </a:endParaRPr>
-          </a:p>
-          <a:p>
-            <a:pPr marL="0" indent="0">
-              <a:lnSpc>
-                <a:spcPts val="3600"/>
-              </a:lnSpc>
-              <a:spcBef>
-                <a:spcPts val="1500"/>
-              </a:spcBef>
-              <a:spcAft>
-                <a:spcPts val="0"/>
-              </a:spcAft>
-              <a:buNone/>
-            </a:pPr>
-            <a:r>
-              <a:rPr lang="en-US" sz="2000" dirty="0">
-                <a:latin typeface="Segoe UI Light" panose="020B0502040204020203" pitchFamily="34" charset="0"/>
-                <a:cs typeface="Segoe UI Light" panose="020B0502040204020203" pitchFamily="34" charset="0"/>
-                <a:hlinkClick r:id="rId4" tooltip="Go to free PowerPoint training"/>
-              </a:rPr>
-              <a:t>Go to free PowerPoint training</a:t>
-            </a:r>
-            <a:endParaRPr lang="en-US" sz="2000" dirty="0">
-              <a:latin typeface="Segoe UI Light" panose="020B0502040204020203" pitchFamily="34" charset="0"/>
-              <a:cs typeface="Segoe UI Light" panose="020B0502040204020203" pitchFamily="34" charset="0"/>
-            </a:endParaRPr>
-          </a:p>
-          <a:p>
-            <a:pPr marL="0" indent="0">
-              <a:lnSpc>
-                <a:spcPts val="3600"/>
-              </a:lnSpc>
-              <a:spcBef>
-                <a:spcPts val="1500"/>
-              </a:spcBef>
-              <a:spcAft>
-                <a:spcPts val="0"/>
-              </a:spcAft>
-              <a:buNone/>
-            </a:pPr>
-            <a:r>
-              <a:rPr lang="en-US" sz="2000" dirty="0">
-                <a:latin typeface="Segoe UI Light" panose="020B0502040204020203" pitchFamily="34" charset="0"/>
-                <a:cs typeface="Segoe UI Light" panose="020B0502040204020203" pitchFamily="34" charset="0"/>
-                <a:hlinkClick r:id="rId5" tooltip="Give feedback about this tour"/>
-              </a:rPr>
-              <a:t>Give feedback about this tour</a:t>
-            </a:r>
-            <a:endParaRPr lang="en-US" sz="2000" dirty="0">
-              <a:latin typeface="Segoe UI Light" panose="020B0502040204020203" pitchFamily="34" charset="0"/>
-              <a:cs typeface="Segoe UI Light" panose="020B0502040204020203" pitchFamily="34" charset="0"/>
-            </a:endParaRPr>
-          </a:p>
-          <a:p>
-            <a:pPr marL="0" indent="0">
-              <a:lnSpc>
-                <a:spcPts val="3600"/>
-              </a:lnSpc>
-              <a:spcAft>
-                <a:spcPts val="0"/>
-              </a:spcAft>
-              <a:buNone/>
-            </a:pPr>
-            <a:endParaRPr lang="en-US" sz="2000" dirty="0">
-              <a:latin typeface="Segoe UI Light" panose="020B0502040204020203" pitchFamily="34" charset="0"/>
-              <a:cs typeface="Segoe UI Light" panose="020B0502040204020203" pitchFamily="34" charset="0"/>
-            </a:endParaRPr>
           </a:p>
           <a:p>
             <a:pPr marL="0" indent="0">
@@ -8579,7 +8352,7 @@
           <p:nvPr/>
         </p:nvPicPr>
         <p:blipFill>
-          <a:blip r:embed="rId6" cstate="print">
+          <a:blip r:embed="rId4" cstate="print">
             <a:extLst>
               <a:ext uri="{28A0092B-C50C-407E-A947-70E740481C1C}">
                 <a14:useLocalDpi xmlns:a14="http://schemas.microsoft.com/office/drawing/2010/main" val="0"/>
@@ -8591,177 +8364,9 @@
           </a:stretch>
         </p:blipFill>
         <p:spPr>
-          <a:xfrm>
-            <a:off x="2613981" y="2350333"/>
-            <a:ext cx="1269672" cy="1189747"/>
-          </a:xfrm>
-          <a:prstGeom prst="rect">
-            <a:avLst/>
-          </a:prstGeom>
-        </p:spPr>
-      </p:pic>
-      <p:pic>
-        <p:nvPicPr>
-          <p:cNvPr id="11" name="Picture 10" descr="Tell Me box suggestions"/>
-          <p:cNvPicPr>
-            <a:picLocks noChangeAspect="1"/>
-          </p:cNvPicPr>
-          <p:nvPr/>
-        </p:nvPicPr>
-        <p:blipFill>
-          <a:blip r:embed="rId7">
-            <a:extLst>
-              <a:ext uri="{28A0092B-C50C-407E-A947-70E740481C1C}">
-                <a14:useLocalDpi xmlns:a14="http://schemas.microsoft.com/office/drawing/2010/main" val="0"/>
-              </a:ext>
-            </a:extLst>
-          </a:blip>
-          <a:stretch>
-            <a:fillRect/>
-          </a:stretch>
-        </p:blipFill>
-        <p:spPr>
-          <a:xfrm>
-            <a:off x="8408066" y="2761488"/>
-            <a:ext cx="2476156" cy="2001277"/>
-          </a:xfrm>
-          <a:prstGeom prst="rect">
-            <a:avLst/>
-          </a:prstGeom>
-        </p:spPr>
-      </p:pic>
-      <p:sp>
-        <p:nvSpPr>
-          <p:cNvPr id="9" name="TextBox 8"/>
-          <p:cNvSpPr txBox="1"/>
-          <p:nvPr/>
-        </p:nvSpPr>
-        <p:spPr>
-          <a:xfrm>
-            <a:off x="541611" y="5738132"/>
-            <a:ext cx="6193971" cy="307777"/>
-          </a:xfrm>
-          <a:prstGeom prst="rect">
-            <a:avLst/>
-          </a:prstGeom>
-          <a:noFill/>
-        </p:spPr>
-        <p:txBody>
-          <a:bodyPr wrap="square" rtlCol="0">
-            <a:spAutoFit/>
-          </a:bodyPr>
-          <a:lstStyle/>
-          <a:p>
-            <a:pPr algn="l"/>
-            <a:r>
-              <a:rPr lang="en-IN" sz="1400" dirty="0">
-                <a:latin typeface="Segoe UI Light" panose="020B0502040204020203" pitchFamily="34" charset="0"/>
-                <a:cs typeface="Segoe UI Light" panose="020B0502040204020203" pitchFamily="34" charset="0"/>
-              </a:rPr>
-              <a:t>SELECT THE ARROW WHEN IN SLIDE SHOW MODE</a:t>
-            </a:r>
-            <a:endParaRPr lang="en-US" sz="1400" dirty="0">
-              <a:latin typeface="Segoe UI Light" panose="020B0502040204020203" pitchFamily="34" charset="0"/>
-              <a:cs typeface="Segoe UI Light" panose="020B0502040204020203" pitchFamily="34" charset="0"/>
-            </a:endParaRPr>
-          </a:p>
-        </p:txBody>
-      </p:sp>
-      <p:pic>
-        <p:nvPicPr>
-          <p:cNvPr id="8" name="Picture 7" descr="Arrow pointing right with a hyperlink to the PowerPoint team blog. Select the image to visit the PowerPoint team blog ">
-            <a:hlinkClick r:id="rId3" tooltip="Select here to visit the PowerPoint team blog."/>
-          </p:cNvPr>
-          <p:cNvPicPr>
-            <a:picLocks noChangeAspect="1"/>
-          </p:cNvPicPr>
-          <p:nvPr/>
-        </p:nvPicPr>
-        <p:blipFill>
-          <a:blip r:embed="rId8" cstate="print">
-            <a:extLst>
-              <a:ext uri="{28A0092B-C50C-407E-A947-70E740481C1C}">
-                <a14:useLocalDpi xmlns:a14="http://schemas.microsoft.com/office/drawing/2010/main" val="0"/>
-              </a:ext>
-            </a:extLst>
-          </a:blip>
-          <a:stretch>
-            <a:fillRect/>
-          </a:stretch>
-        </p:blipFill>
-        <p:spPr>
-          <a:xfrm>
-            <a:off x="4009398" y="3566804"/>
-            <a:ext cx="661940" cy="661940"/>
-          </a:xfrm>
-          <a:prstGeom prst="rect">
-            <a:avLst/>
-          </a:prstGeom>
-        </p:spPr>
-      </p:pic>
-      <p:pic>
-        <p:nvPicPr>
-          <p:cNvPr id="7" name="Picture 6" descr="Arrow pointing right with a hyperlink to free PowerPoint training. Select the image to access free PowerPoint training">
-            <a:hlinkClick r:id="rId4" tooltip="Select here to go to free PowerPoint training."/>
-          </p:cNvPr>
-          <p:cNvPicPr>
-            <a:picLocks noChangeAspect="1"/>
-          </p:cNvPicPr>
-          <p:nvPr/>
-        </p:nvPicPr>
-        <p:blipFill>
-          <a:blip r:embed="rId8" cstate="print">
-            <a:extLst>
-              <a:ext uri="{28A0092B-C50C-407E-A947-70E740481C1C}">
-                <a14:useLocalDpi xmlns:a14="http://schemas.microsoft.com/office/drawing/2010/main" val="0"/>
-              </a:ext>
-            </a:extLst>
-          </a:blip>
-          <a:stretch>
-            <a:fillRect/>
-          </a:stretch>
-        </p:blipFill>
-        <p:spPr>
-          <a:xfrm>
-            <a:off x="4009398" y="4252716"/>
-            <a:ext cx="661940" cy="661940"/>
-          </a:xfrm>
-          <a:prstGeom prst="rect">
-            <a:avLst/>
-          </a:prstGeom>
-        </p:spPr>
-      </p:pic>
-      <p:pic>
-        <p:nvPicPr>
-          <p:cNvPr id="12" name="Picture 11" descr="Arrow pointing right with a hyperlink to give feedback about this tour. Select the image to give feedback about this tour">
-            <a:hlinkClick r:id="rId5" tooltip="Select here to give feedback about this tour."/>
-            <a:extLst>
-              <a:ext uri="{FF2B5EF4-FFF2-40B4-BE49-F238E27FC236}">
-                <a16:creationId xmlns:a16="http://schemas.microsoft.com/office/drawing/2014/main" id="{BA92070A-4E3D-4794-84A9-83B8DDF3A125}"/>
-              </a:ext>
-            </a:extLst>
-          </p:cNvPr>
-          <p:cNvPicPr>
-            <a:picLocks noChangeAspect="1"/>
-          </p:cNvPicPr>
-          <p:nvPr/>
-        </p:nvPicPr>
-        <p:blipFill>
-          <a:blip r:embed="rId8" cstate="print">
-            <a:extLst>
-              <a:ext uri="{28A0092B-C50C-407E-A947-70E740481C1C}">
-                <a14:useLocalDpi xmlns:a14="http://schemas.microsoft.com/office/drawing/2010/main" val="0"/>
-              </a:ext>
-            </a:extLst>
-          </a:blip>
-          <a:stretch>
-            <a:fillRect/>
-          </a:stretch>
-        </p:blipFill>
-        <p:spPr>
-          <a:xfrm>
-            <a:off x="4009398" y="4944145"/>
-            <a:ext cx="661940" cy="661940"/>
+          <a:xfrm flipH="1">
+            <a:off x="306054" y="2344811"/>
+            <a:ext cx="836446" cy="832730"/>
           </a:xfrm>
           <a:prstGeom prst="rect">
             <a:avLst/>
